--- a/doc/OpenELanguage.pptx
+++ b/doc/OpenELanguage.pptx
@@ -5,20 +5,20 @@
     <p:sldMasterId id="2147483648" r:id="rId1"/>
   </p:sldMasterIdLst>
   <p:notesMasterIdLst>
-    <p:notesMasterId r:id="rId8"/>
+    <p:notesMasterId r:id="rId7"/>
   </p:notesMasterIdLst>
   <p:handoutMasterIdLst>
-    <p:handoutMasterId r:id="rId9"/>
+    <p:handoutMasterId r:id="rId8"/>
   </p:handoutMasterIdLst>
   <p:sldIdLst>
-    <p:sldId id="256" r:id="rId3"/>
-    <p:sldId id="257" r:id="rId4"/>
-    <p:sldId id="258" r:id="rId5"/>
-    <p:sldId id="259" r:id="rId6"/>
-    <p:sldId id="260" r:id="rId7"/>
+    <p:sldId id="256" r:id="rId2"/>
+    <p:sldId id="257" r:id="rId3"/>
+    <p:sldId id="258" r:id="rId4"/>
+    <p:sldId id="259" r:id="rId5"/>
+    <p:sldId id="260" r:id="rId6"/>
   </p:sldIdLst>
   <p:sldSz cx="12192000" cy="6858000"/>
-  <p:notesSz cx="7103745" cy="10234295"/>
+  <p:notesSz cx="7104063" cy="10234613"/>
   <p:defaultTextStyle>
     <a:defPPr>
       <a:defRPr lang="zh-CN"/>
@@ -114,6 +114,22 @@
       </a:defRPr>
     </a:lvl9pPr>
   </p:defaultTextStyle>
+  <p:extLst>
+    <p:ext uri="{EFAFB233-063F-42B5-8137-9DF3F51BA10A}">
+      <p15:sldGuideLst xmlns:p15="http://schemas.microsoft.com/office/powerpoint/2012/main">
+        <p15:guide id="1" orient="horz" pos="2164">
+          <p15:clr>
+            <a:srgbClr val="A4A3A4"/>
+          </p15:clr>
+        </p15:guide>
+        <p15:guide id="2" pos="3870">
+          <p15:clr>
+            <a:srgbClr val="A4A3A4"/>
+          </p15:clr>
+        </p15:guide>
+      </p15:sldGuideLst>
+    </p:ext>
+  </p:extLst>
 </p:presentation>
 </file>
 
@@ -199,6 +215,7 @@
           <a:p>
             <a:fld id="{0F9B84EA-7D68-4D60-9CB1-D50884785D1C}" type="datetimeFigureOut">
               <a:rPr lang="zh-CN" altLang="en-US" smtClean="0"/>
+              <a:t>2020/4/9</a:t>
             </a:fld>
             <a:endParaRPr lang="zh-CN" altLang="en-US"/>
           </a:p>
@@ -264,6 +281,7 @@
           <a:p>
             <a:fld id="{8D4E0FC9-F1F8-4FAE-9988-3BA365CFD46F}" type="slidenum">
               <a:rPr lang="zh-CN" altLang="en-US" smtClean="0"/>
+              <a:t>‹#›</a:t>
             </a:fld>
             <a:endParaRPr lang="zh-CN" altLang="en-US"/>
           </a:p>
@@ -357,6 +375,7 @@
           <a:p>
             <a:fld id="{D6C8D182-E4C8-4120-9249-FC9774456FFA}" type="datetimeFigureOut">
               <a:rPr lang="zh-CN" altLang="en-US" smtClean="0"/>
+              <a:t>2020/4/9</a:t>
             </a:fld>
             <a:endParaRPr lang="zh-CN" altLang="en-US"/>
           </a:p>
@@ -423,7 +442,6 @@
               <a:rPr lang="zh-CN" altLang="en-US"/>
               <a:t>编辑母版文本样式</a:t>
             </a:r>
-            <a:endParaRPr lang="zh-CN" altLang="en-US"/>
           </a:p>
           <a:p>
             <a:pPr lvl="1"/>
@@ -431,7 +449,6 @@
               <a:rPr lang="zh-CN" altLang="en-US"/>
               <a:t>第二级</a:t>
             </a:r>
-            <a:endParaRPr lang="zh-CN" altLang="en-US"/>
           </a:p>
           <a:p>
             <a:pPr lvl="2"/>
@@ -439,7 +456,6 @@
               <a:rPr lang="zh-CN" altLang="en-US"/>
               <a:t>第三级</a:t>
             </a:r>
-            <a:endParaRPr lang="zh-CN" altLang="en-US"/>
           </a:p>
           <a:p>
             <a:pPr lvl="3"/>
@@ -447,7 +463,6 @@
               <a:rPr lang="zh-CN" altLang="en-US"/>
               <a:t>第四级</a:t>
             </a:r>
-            <a:endParaRPr lang="zh-CN" altLang="en-US"/>
           </a:p>
           <a:p>
             <a:pPr lvl="4"/>
@@ -455,7 +470,6 @@
               <a:rPr lang="zh-CN" altLang="en-US"/>
               <a:t>第五级</a:t>
             </a:r>
-            <a:endParaRPr lang="zh-CN" altLang="en-US"/>
           </a:p>
         </p:txBody>
       </p:sp>
@@ -519,6 +533,7 @@
           <a:p>
             <a:fld id="{85D0DACE-38E0-42D2-9336-2B707D34BC6D}" type="slidenum">
               <a:rPr lang="zh-CN" altLang="en-US" smtClean="0"/>
+              <a:t>‹#›</a:t>
             </a:fld>
             <a:endParaRPr lang="zh-CN" altLang="en-US"/>
           </a:p>
@@ -680,7 +695,6 @@
               <a:rPr lang="zh-CN" altLang="en-US" dirty="0"/>
               <a:t>单击此处添加标题</a:t>
             </a:r>
-            <a:endParaRPr lang="zh-CN" altLang="en-US" dirty="0"/>
           </a:p>
         </p:txBody>
       </p:sp>
@@ -701,6 +715,7 @@
           <a:p>
             <a:fld id="{760FBDFE-C587-4B4C-A407-44438C67B59E}" type="datetimeFigureOut">
               <a:rPr lang="zh-CN" altLang="en-US" smtClean="0"/>
+              <a:t>2020/4/9</a:t>
             </a:fld>
             <a:endParaRPr lang="zh-CN" altLang="en-US"/>
           </a:p>
@@ -742,6 +757,7 @@
           <a:p>
             <a:fld id="{49AE70B2-8BF9-45C0-BB95-33D1B9D3A854}" type="slidenum">
               <a:rPr lang="zh-CN" altLang="en-US" smtClean="0"/>
+              <a:t>‹#›</a:t>
             </a:fld>
             <a:endParaRPr lang="zh-CN" altLang="en-US"/>
           </a:p>
@@ -820,7 +836,6 @@
               <a:rPr lang="zh-CN" altLang="en-US" dirty="0"/>
               <a:t>单击此处添加副标题</a:t>
             </a:r>
-            <a:endParaRPr lang="zh-CN" altLang="en-US" dirty="0"/>
           </a:p>
         </p:txBody>
       </p:sp>
@@ -866,6 +881,7 @@
           <a:p>
             <a:fld id="{760FBDFE-C587-4B4C-A407-44438C67B59E}" type="datetimeFigureOut">
               <a:rPr lang="zh-CN" altLang="en-US" smtClean="0"/>
+              <a:t>2020/4/9</a:t>
             </a:fld>
             <a:endParaRPr lang="zh-CN" altLang="en-US"/>
           </a:p>
@@ -907,6 +923,7 @@
           <a:p>
             <a:fld id="{49AE70B2-8BF9-45C0-BB95-33D1B9D3A854}" type="slidenum">
               <a:rPr lang="zh-CN" altLang="en-US" smtClean="0"/>
+              <a:t>‹#›</a:t>
             </a:fld>
             <a:endParaRPr lang="zh-CN" altLang="en-US"/>
           </a:p>
@@ -937,7 +954,6 @@
               <a:rPr lang="zh-CN" altLang="en-US" dirty="0"/>
               <a:t>单击此处编辑母版文本样式</a:t>
             </a:r>
-            <a:endParaRPr lang="zh-CN" altLang="en-US" dirty="0"/>
           </a:p>
           <a:p>
             <a:pPr lvl="1"/>
@@ -945,7 +961,6 @@
               <a:rPr lang="zh-CN" altLang="en-US" dirty="0"/>
               <a:t>第二级</a:t>
             </a:r>
-            <a:endParaRPr lang="zh-CN" altLang="en-US" dirty="0"/>
           </a:p>
           <a:p>
             <a:pPr lvl="2"/>
@@ -953,7 +968,6 @@
               <a:rPr lang="zh-CN" altLang="en-US" dirty="0"/>
               <a:t>第三级</a:t>
             </a:r>
-            <a:endParaRPr lang="zh-CN" altLang="en-US" dirty="0"/>
           </a:p>
           <a:p>
             <a:pPr lvl="3"/>
@@ -961,7 +975,6 @@
               <a:rPr lang="zh-CN" altLang="en-US" dirty="0"/>
               <a:t>第四级</a:t>
             </a:r>
-            <a:endParaRPr lang="zh-CN" altLang="en-US" dirty="0"/>
           </a:p>
           <a:p>
             <a:pPr lvl="4"/>
@@ -969,7 +982,6 @@
               <a:rPr lang="zh-CN" altLang="en-US" dirty="0"/>
               <a:t>第五级</a:t>
             </a:r>
-            <a:endParaRPr lang="zh-CN" altLang="en-US" dirty="0"/>
           </a:p>
         </p:txBody>
       </p:sp>
@@ -1036,7 +1048,6 @@
               <a:rPr lang="zh-CN" altLang="en-US" dirty="0"/>
               <a:t>单击此处编辑母版标题样式</a:t>
             </a:r>
-            <a:endParaRPr lang="zh-CN" altLang="en-US" dirty="0"/>
           </a:p>
         </p:txBody>
       </p:sp>
@@ -1118,7 +1129,6 @@
               <a:rPr lang="zh-CN" altLang="en-US" dirty="0"/>
               <a:t>单击此处编辑母版文本样式</a:t>
             </a:r>
-            <a:endParaRPr lang="zh-CN" altLang="en-US" dirty="0"/>
           </a:p>
           <a:p>
             <a:pPr lvl="1"/>
@@ -1126,7 +1136,6 @@
               <a:rPr lang="zh-CN" altLang="en-US" dirty="0"/>
               <a:t>第二级</a:t>
             </a:r>
-            <a:endParaRPr lang="zh-CN" altLang="en-US" dirty="0"/>
           </a:p>
           <a:p>
             <a:pPr lvl="2"/>
@@ -1134,7 +1143,6 @@
               <a:rPr lang="zh-CN" altLang="en-US" dirty="0"/>
               <a:t>第三级</a:t>
             </a:r>
-            <a:endParaRPr lang="zh-CN" altLang="en-US" dirty="0"/>
           </a:p>
           <a:p>
             <a:pPr lvl="3"/>
@@ -1142,7 +1150,6 @@
               <a:rPr lang="zh-CN" altLang="en-US" dirty="0"/>
               <a:t>第四级</a:t>
             </a:r>
-            <a:endParaRPr lang="zh-CN" altLang="en-US" dirty="0"/>
           </a:p>
           <a:p>
             <a:pPr lvl="4"/>
@@ -1150,7 +1157,6 @@
               <a:rPr lang="zh-CN" altLang="en-US" dirty="0"/>
               <a:t>第五级</a:t>
             </a:r>
-            <a:endParaRPr lang="zh-CN" altLang="en-US" dirty="0"/>
           </a:p>
         </p:txBody>
       </p:sp>
@@ -1171,6 +1177,7 @@
           <a:p>
             <a:fld id="{760FBDFE-C587-4B4C-A407-44438C67B59E}" type="datetimeFigureOut">
               <a:rPr lang="zh-CN" altLang="en-US" smtClean="0"/>
+              <a:t>2020/4/9</a:t>
             </a:fld>
             <a:endParaRPr lang="zh-CN" altLang="en-US"/>
           </a:p>
@@ -1212,6 +1219,7 @@
           <a:p>
             <a:fld id="{49AE70B2-8BF9-45C0-BB95-33D1B9D3A854}" type="slidenum">
               <a:rPr lang="zh-CN" altLang="en-US" smtClean="0"/>
+              <a:t>‹#›</a:t>
             </a:fld>
             <a:endParaRPr lang="zh-CN" altLang="en-US"/>
           </a:p>
@@ -1280,7 +1288,6 @@
               <a:rPr lang="zh-CN" altLang="en-US" dirty="0"/>
               <a:t>单击此处编辑母版标题样式</a:t>
             </a:r>
-            <a:endParaRPr lang="zh-CN" altLang="en-US" dirty="0"/>
           </a:p>
         </p:txBody>
       </p:sp>
@@ -1400,7 +1407,6 @@
               <a:rPr lang="zh-CN" altLang="en-US" dirty="0"/>
               <a:t>单击此处编辑母版文本样式</a:t>
             </a:r>
-            <a:endParaRPr lang="zh-CN" altLang="en-US" dirty="0"/>
           </a:p>
         </p:txBody>
       </p:sp>
@@ -1421,6 +1427,7 @@
           <a:p>
             <a:fld id="{760FBDFE-C587-4B4C-A407-44438C67B59E}" type="datetimeFigureOut">
               <a:rPr lang="zh-CN" altLang="en-US" smtClean="0"/>
+              <a:t>2020/4/9</a:t>
             </a:fld>
             <a:endParaRPr lang="zh-CN" altLang="en-US"/>
           </a:p>
@@ -1462,6 +1469,7 @@
           <a:p>
             <a:fld id="{49AE70B2-8BF9-45C0-BB95-33D1B9D3A854}" type="slidenum">
               <a:rPr lang="zh-CN" altLang="en-US" smtClean="0"/>
+              <a:t>‹#›</a:t>
             </a:fld>
             <a:endParaRPr lang="zh-CN" altLang="en-US"/>
           </a:p>
@@ -1530,7 +1538,6 @@
               <a:rPr lang="zh-CN" altLang="en-US" dirty="0"/>
               <a:t>单击此处编辑母版标题样式</a:t>
             </a:r>
-            <a:endParaRPr lang="zh-CN" altLang="en-US" dirty="0"/>
           </a:p>
         </p:txBody>
       </p:sp>
@@ -1627,7 +1634,6 @@
               <a:rPr lang="zh-CN" altLang="en-US" dirty="0"/>
               <a:t>单击此处编辑母版文本样式</a:t>
             </a:r>
-            <a:endParaRPr lang="zh-CN" altLang="en-US" dirty="0"/>
           </a:p>
           <a:p>
             <a:pPr lvl="1"/>
@@ -1635,7 +1641,6 @@
               <a:rPr lang="zh-CN" altLang="en-US" dirty="0"/>
               <a:t>第二级</a:t>
             </a:r>
-            <a:endParaRPr lang="zh-CN" altLang="en-US" dirty="0"/>
           </a:p>
           <a:p>
             <a:pPr lvl="2"/>
@@ -1643,7 +1648,6 @@
               <a:rPr lang="zh-CN" altLang="en-US" dirty="0"/>
               <a:t>第三级</a:t>
             </a:r>
-            <a:endParaRPr lang="zh-CN" altLang="en-US" dirty="0"/>
           </a:p>
           <a:p>
             <a:pPr lvl="3"/>
@@ -1651,7 +1655,6 @@
               <a:rPr lang="zh-CN" altLang="en-US" dirty="0"/>
               <a:t>第四级</a:t>
             </a:r>
-            <a:endParaRPr lang="zh-CN" altLang="en-US" dirty="0"/>
           </a:p>
           <a:p>
             <a:pPr lvl="4"/>
@@ -1659,7 +1662,6 @@
               <a:rPr lang="zh-CN" altLang="en-US" dirty="0"/>
               <a:t>第五级</a:t>
             </a:r>
-            <a:endParaRPr lang="zh-CN" altLang="en-US" dirty="0"/>
           </a:p>
         </p:txBody>
       </p:sp>
@@ -1756,7 +1758,6 @@
               <a:rPr lang="zh-CN" altLang="en-US" dirty="0"/>
               <a:t>单击此处编辑母版文本样式</a:t>
             </a:r>
-            <a:endParaRPr lang="zh-CN" altLang="en-US" dirty="0"/>
           </a:p>
           <a:p>
             <a:pPr lvl="1"/>
@@ -1764,7 +1765,6 @@
               <a:rPr lang="zh-CN" altLang="en-US" dirty="0"/>
               <a:t>第二级</a:t>
             </a:r>
-            <a:endParaRPr lang="zh-CN" altLang="en-US" dirty="0"/>
           </a:p>
           <a:p>
             <a:pPr lvl="2"/>
@@ -1772,7 +1772,6 @@
               <a:rPr lang="zh-CN" altLang="en-US" dirty="0"/>
               <a:t>第三级</a:t>
             </a:r>
-            <a:endParaRPr lang="zh-CN" altLang="en-US" dirty="0"/>
           </a:p>
           <a:p>
             <a:pPr lvl="3"/>
@@ -1780,7 +1779,6 @@
               <a:rPr lang="zh-CN" altLang="en-US" dirty="0"/>
               <a:t>第四级</a:t>
             </a:r>
-            <a:endParaRPr lang="zh-CN" altLang="en-US" dirty="0"/>
           </a:p>
           <a:p>
             <a:pPr lvl="4"/>
@@ -1788,7 +1786,6 @@
               <a:rPr lang="zh-CN" altLang="en-US" dirty="0"/>
               <a:t>第五级</a:t>
             </a:r>
-            <a:endParaRPr lang="zh-CN" altLang="en-US" dirty="0"/>
           </a:p>
         </p:txBody>
       </p:sp>
@@ -1809,6 +1806,7 @@
           <a:p>
             <a:fld id="{760FBDFE-C587-4B4C-A407-44438C67B59E}" type="datetimeFigureOut">
               <a:rPr lang="zh-CN" altLang="en-US" smtClean="0"/>
+              <a:t>2020/4/9</a:t>
             </a:fld>
             <a:endParaRPr lang="zh-CN" altLang="en-US"/>
           </a:p>
@@ -1850,6 +1848,7 @@
           <a:p>
             <a:fld id="{49AE70B2-8BF9-45C0-BB95-33D1B9D3A854}" type="slidenum">
               <a:rPr lang="zh-CN" altLang="en-US" smtClean="0"/>
+              <a:t>‹#›</a:t>
             </a:fld>
             <a:endParaRPr lang="zh-CN" altLang="en-US"/>
           </a:p>
@@ -1904,7 +1903,6 @@
               <a:rPr lang="zh-CN" altLang="en-US"/>
               <a:t>单击此处编辑母版标题样式</a:t>
             </a:r>
-            <a:endParaRPr lang="zh-CN" altLang="en-US"/>
           </a:p>
         </p:txBody>
       </p:sp>
@@ -1970,7 +1968,6 @@
               <a:rPr lang="zh-CN" altLang="en-US" dirty="0"/>
               <a:t>单击此处编辑母版文本样式</a:t>
             </a:r>
-            <a:endParaRPr lang="zh-CN" altLang="en-US" dirty="0"/>
           </a:p>
         </p:txBody>
       </p:sp>
@@ -1999,7 +1996,6 @@
               <a:rPr lang="zh-CN" altLang="en-US" dirty="0"/>
               <a:t>单击此处编辑母版文本样式</a:t>
             </a:r>
-            <a:endParaRPr lang="zh-CN" altLang="en-US" dirty="0"/>
           </a:p>
           <a:p>
             <a:pPr lvl="1"/>
@@ -2007,7 +2003,6 @@
               <a:rPr lang="zh-CN" altLang="en-US" dirty="0"/>
               <a:t>第二级</a:t>
             </a:r>
-            <a:endParaRPr lang="zh-CN" altLang="en-US" dirty="0"/>
           </a:p>
           <a:p>
             <a:pPr lvl="2"/>
@@ -2015,7 +2010,6 @@
               <a:rPr lang="zh-CN" altLang="en-US" dirty="0"/>
               <a:t>第三级</a:t>
             </a:r>
-            <a:endParaRPr lang="zh-CN" altLang="en-US" dirty="0"/>
           </a:p>
           <a:p>
             <a:pPr lvl="3"/>
@@ -2023,7 +2017,6 @@
               <a:rPr lang="zh-CN" altLang="en-US" dirty="0"/>
               <a:t>第四级</a:t>
             </a:r>
-            <a:endParaRPr lang="zh-CN" altLang="en-US" dirty="0"/>
           </a:p>
           <a:p>
             <a:pPr lvl="4"/>
@@ -2031,7 +2024,6 @@
               <a:rPr lang="zh-CN" altLang="en-US" dirty="0"/>
               <a:t>第五级</a:t>
             </a:r>
-            <a:endParaRPr lang="zh-CN" altLang="en-US" dirty="0"/>
           </a:p>
         </p:txBody>
       </p:sp>
@@ -2097,7 +2089,6 @@
               <a:rPr lang="zh-CN" altLang="en-US" dirty="0"/>
               <a:t>单击此处编辑母版文本样式</a:t>
             </a:r>
-            <a:endParaRPr lang="zh-CN" altLang="en-US" dirty="0"/>
           </a:p>
         </p:txBody>
       </p:sp>
@@ -2126,7 +2117,6 @@
               <a:rPr lang="zh-CN" altLang="en-US" dirty="0"/>
               <a:t>单击此处编辑母版文本样式</a:t>
             </a:r>
-            <a:endParaRPr lang="zh-CN" altLang="en-US" dirty="0"/>
           </a:p>
           <a:p>
             <a:pPr lvl="1"/>
@@ -2134,7 +2124,6 @@
               <a:rPr lang="zh-CN" altLang="en-US" dirty="0"/>
               <a:t>第二级</a:t>
             </a:r>
-            <a:endParaRPr lang="zh-CN" altLang="en-US" dirty="0"/>
           </a:p>
           <a:p>
             <a:pPr lvl="2"/>
@@ -2142,7 +2131,6 @@
               <a:rPr lang="zh-CN" altLang="en-US" dirty="0"/>
               <a:t>第三级</a:t>
             </a:r>
-            <a:endParaRPr lang="zh-CN" altLang="en-US" dirty="0"/>
           </a:p>
           <a:p>
             <a:pPr lvl="3"/>
@@ -2150,7 +2138,6 @@
               <a:rPr lang="zh-CN" altLang="en-US" dirty="0"/>
               <a:t>第四级</a:t>
             </a:r>
-            <a:endParaRPr lang="zh-CN" altLang="en-US" dirty="0"/>
           </a:p>
           <a:p>
             <a:pPr lvl="4"/>
@@ -2158,7 +2145,6 @@
               <a:rPr lang="zh-CN" altLang="en-US" dirty="0"/>
               <a:t>第五级</a:t>
             </a:r>
-            <a:endParaRPr lang="zh-CN" altLang="en-US" dirty="0"/>
           </a:p>
         </p:txBody>
       </p:sp>
@@ -2179,6 +2165,7 @@
           <a:p>
             <a:fld id="{760FBDFE-C587-4B4C-A407-44438C67B59E}" type="datetimeFigureOut">
               <a:rPr lang="zh-CN" altLang="en-US" smtClean="0"/>
+              <a:t>2020/4/9</a:t>
             </a:fld>
             <a:endParaRPr lang="zh-CN" altLang="en-US"/>
           </a:p>
@@ -2220,6 +2207,7 @@
           <a:p>
             <a:fld id="{49AE70B2-8BF9-45C0-BB95-33D1B9D3A854}" type="slidenum">
               <a:rPr lang="zh-CN" altLang="en-US" smtClean="0"/>
+              <a:t>‹#›</a:t>
             </a:fld>
             <a:endParaRPr lang="zh-CN" altLang="en-US"/>
           </a:p>
@@ -2288,7 +2276,6 @@
               <a:rPr lang="zh-CN" altLang="en-US" dirty="0"/>
               <a:t>单击此处编辑母版标题样式</a:t>
             </a:r>
-            <a:endParaRPr lang="zh-CN" altLang="en-US" dirty="0"/>
           </a:p>
         </p:txBody>
       </p:sp>
@@ -2309,6 +2296,7 @@
           <a:p>
             <a:fld id="{760FBDFE-C587-4B4C-A407-44438C67B59E}" type="datetimeFigureOut">
               <a:rPr lang="zh-CN" altLang="en-US" smtClean="0"/>
+              <a:t>2020/4/9</a:t>
             </a:fld>
             <a:endParaRPr lang="zh-CN" altLang="en-US"/>
           </a:p>
@@ -2350,6 +2338,7 @@
           <a:p>
             <a:fld id="{49AE70B2-8BF9-45C0-BB95-33D1B9D3A854}" type="slidenum">
               <a:rPr lang="zh-CN" altLang="en-US" smtClean="0"/>
+              <a:t>‹#›</a:t>
             </a:fld>
             <a:endParaRPr lang="zh-CN" altLang="en-US"/>
           </a:p>
@@ -2397,6 +2386,7 @@
           <a:p>
             <a:fld id="{760FBDFE-C587-4B4C-A407-44438C67B59E}" type="datetimeFigureOut">
               <a:rPr lang="zh-CN" altLang="en-US" smtClean="0"/>
+              <a:t>2020/4/9</a:t>
             </a:fld>
             <a:endParaRPr lang="zh-CN" altLang="en-US"/>
           </a:p>
@@ -2438,6 +2428,7 @@
           <a:p>
             <a:fld id="{49AE70B2-8BF9-45C0-BB95-33D1B9D3A854}" type="slidenum">
               <a:rPr lang="zh-CN" altLang="en-US" smtClean="0"/>
+              <a:t>‹#›</a:t>
             </a:fld>
             <a:endParaRPr lang="zh-CN" altLang="en-US"/>
           </a:p>
@@ -2506,7 +2497,6 @@
               <a:rPr lang="zh-CN" altLang="en-US" dirty="0"/>
               <a:t>单击此处编辑标题</a:t>
             </a:r>
-            <a:endParaRPr lang="zh-CN" altLang="en-US" dirty="0"/>
           </a:p>
         </p:txBody>
       </p:sp>
@@ -2638,7 +2628,6 @@
               <a:rPr lang="zh-CN" altLang="en-US" dirty="0"/>
               <a:t>单击此处编辑母版文本样式</a:t>
             </a:r>
-            <a:endParaRPr lang="zh-CN" altLang="en-US" dirty="0"/>
           </a:p>
         </p:txBody>
       </p:sp>
@@ -2659,6 +2648,7 @@
           <a:p>
             <a:fld id="{9EFD9D74-47D9-4702-A33C-335B63B48DBF}" type="datetimeFigureOut">
               <a:rPr lang="zh-CN" altLang="en-US" smtClean="0"/>
+              <a:t>2020/4/9</a:t>
             </a:fld>
             <a:endParaRPr lang="zh-CN" altLang="en-US" dirty="0"/>
           </a:p>
@@ -2700,6 +2690,7 @@
           <a:p>
             <a:fld id="{FABC47A4-756D-490B-A52F-7D9E2C9FC05F}" type="slidenum">
               <a:rPr lang="zh-CN" altLang="en-US" smtClean="0"/>
+              <a:t>‹#›</a:t>
             </a:fld>
             <a:endParaRPr lang="zh-CN" altLang="en-US"/>
           </a:p>
@@ -2760,7 +2751,6 @@
               <a:rPr lang="zh-CN" altLang="en-US"/>
               <a:t>单击此处编辑母版标题样式</a:t>
             </a:r>
-            <a:endParaRPr lang="zh-CN" altLang="en-US"/>
           </a:p>
         </p:txBody>
       </p:sp>
@@ -2789,7 +2779,6 @@
               <a:rPr lang="zh-CN" altLang="en-US" dirty="0"/>
               <a:t>单击此处编辑母版文本样式</a:t>
             </a:r>
-            <a:endParaRPr lang="zh-CN" altLang="en-US" dirty="0"/>
           </a:p>
           <a:p>
             <a:pPr lvl="1"/>
@@ -2797,7 +2786,6 @@
               <a:rPr lang="zh-CN" altLang="en-US" dirty="0"/>
               <a:t>第二级</a:t>
             </a:r>
-            <a:endParaRPr lang="zh-CN" altLang="en-US" dirty="0"/>
           </a:p>
           <a:p>
             <a:pPr lvl="2"/>
@@ -2805,7 +2793,6 @@
               <a:rPr lang="zh-CN" altLang="en-US" dirty="0"/>
               <a:t>第三级</a:t>
             </a:r>
-            <a:endParaRPr lang="zh-CN" altLang="en-US" dirty="0"/>
           </a:p>
           <a:p>
             <a:pPr lvl="3"/>
@@ -2813,7 +2800,6 @@
               <a:rPr lang="zh-CN" altLang="en-US" dirty="0"/>
               <a:t>第四级</a:t>
             </a:r>
-            <a:endParaRPr lang="zh-CN" altLang="en-US" dirty="0"/>
           </a:p>
           <a:p>
             <a:pPr lvl="4"/>
@@ -2821,7 +2807,6 @@
               <a:rPr lang="zh-CN" altLang="en-US" dirty="0"/>
               <a:t>第五级</a:t>
             </a:r>
-            <a:endParaRPr lang="zh-CN" altLang="en-US" dirty="0"/>
           </a:p>
         </p:txBody>
       </p:sp>
@@ -2842,6 +2827,7 @@
           <a:p>
             <a:fld id="{760FBDFE-C587-4B4C-A407-44438C67B59E}" type="datetimeFigureOut">
               <a:rPr lang="zh-CN" altLang="en-US" smtClean="0"/>
+              <a:t>2020/4/9</a:t>
             </a:fld>
             <a:endParaRPr lang="zh-CN" altLang="en-US"/>
           </a:p>
@@ -2883,6 +2869,7 @@
           <a:p>
             <a:fld id="{49AE70B2-8BF9-45C0-BB95-33D1B9D3A854}" type="slidenum">
               <a:rPr lang="zh-CN" altLang="en-US" smtClean="0"/>
+              <a:t>‹#›</a:t>
             </a:fld>
             <a:endParaRPr lang="zh-CN" altLang="en-US"/>
           </a:p>
@@ -2950,7 +2937,6 @@
               <a:rPr lang="zh-CN" altLang="en-US" dirty="0"/>
               <a:t>单击此处编辑母版标题样式</a:t>
             </a:r>
-            <a:endParaRPr lang="zh-CN" altLang="en-US" dirty="0"/>
           </a:p>
         </p:txBody>
       </p:sp>
@@ -2984,7 +2970,6 @@
               <a:rPr lang="zh-CN" altLang="en-US" dirty="0"/>
               <a:t>单击此处编辑母版文本样式</a:t>
             </a:r>
-            <a:endParaRPr lang="zh-CN" altLang="en-US" dirty="0"/>
           </a:p>
           <a:p>
             <a:pPr lvl="1"/>
@@ -2992,7 +2977,6 @@
               <a:rPr lang="zh-CN" altLang="en-US" dirty="0"/>
               <a:t>第二级</a:t>
             </a:r>
-            <a:endParaRPr lang="zh-CN" altLang="en-US" dirty="0"/>
           </a:p>
           <a:p>
             <a:pPr lvl="2"/>
@@ -3000,7 +2984,6 @@
               <a:rPr lang="zh-CN" altLang="en-US" dirty="0"/>
               <a:t>第三级</a:t>
             </a:r>
-            <a:endParaRPr lang="zh-CN" altLang="en-US" dirty="0"/>
           </a:p>
           <a:p>
             <a:pPr lvl="3"/>
@@ -3008,7 +2991,6 @@
               <a:rPr lang="zh-CN" altLang="en-US" dirty="0"/>
               <a:t>第四级</a:t>
             </a:r>
-            <a:endParaRPr lang="zh-CN" altLang="en-US" dirty="0"/>
           </a:p>
           <a:p>
             <a:pPr lvl="4"/>
@@ -3016,7 +2998,6 @@
               <a:rPr lang="zh-CN" altLang="en-US" dirty="0"/>
               <a:t>第五级</a:t>
             </a:r>
-            <a:endParaRPr lang="zh-CN" altLang="en-US" dirty="0"/>
           </a:p>
         </p:txBody>
       </p:sp>
@@ -3057,6 +3038,7 @@
           <a:p>
             <a:fld id="{760FBDFE-C587-4B4C-A407-44438C67B59E}" type="datetimeFigureOut">
               <a:rPr lang="zh-CN" altLang="en-US" smtClean="0"/>
+              <a:t>2020/4/9</a:t>
             </a:fld>
             <a:endParaRPr lang="zh-CN" altLang="en-US"/>
           </a:p>
@@ -3138,6 +3120,7 @@
           <a:p>
             <a:fld id="{49AE70B2-8BF9-45C0-BB95-33D1B9D3A854}" type="slidenum">
               <a:rPr lang="zh-CN" altLang="en-US" smtClean="0"/>
+              <a:t>‹#›</a:t>
             </a:fld>
             <a:endParaRPr lang="zh-CN" altLang="en-US"/>
           </a:p>
@@ -3456,7 +3439,14 @@
         <p:cNvGrpSpPr/>
         <p:nvPr/>
       </p:nvGrpSpPr>
-      <p:grpSpPr/>
+      <p:grpSpPr>
+        <a:xfrm>
+          <a:off x="0" y="0"/>
+          <a:ext cx="0" cy="0"/>
+          <a:chOff x="0" y="0"/>
+          <a:chExt cx="0" cy="0"/>
+        </a:xfrm>
+      </p:grpSpPr>
       <p:sp>
         <p:nvSpPr>
           <p:cNvPr id="2" name="标题 1"/>
@@ -3470,12 +3460,12 @@
         <p:spPr/>
         <p:txBody>
           <a:bodyPr/>
+          <a:lstStyle/>
           <a:p>
             <a:r>
               <a:rPr lang="en-US" altLang="zh-CN"/>
               <a:t>OpenELanguage</a:t>
             </a:r>
-            <a:endParaRPr lang="en-US" altLang="zh-CN"/>
           </a:p>
         </p:txBody>
       </p:sp>
@@ -3492,12 +3482,12 @@
         <p:spPr/>
         <p:txBody>
           <a:bodyPr/>
+          <a:lstStyle/>
           <a:p>
             <a:r>
               <a:rPr lang="en-US" altLang="zh-CN"/>
               <a:t>RonxBulld</a:t>
             </a:r>
-            <a:endParaRPr lang="en-US" altLang="zh-CN"/>
           </a:p>
           <a:p>
             <a:r>
@@ -3524,7 +3514,6 @@
               <a:rPr lang="zh-CN" altLang="en-US"/>
               <a:t>日</a:t>
             </a:r>
-            <a:endParaRPr lang="zh-CN" altLang="en-US"/>
           </a:p>
         </p:txBody>
       </p:sp>
@@ -3551,7 +3540,14 @@
         <p:cNvGrpSpPr/>
         <p:nvPr/>
       </p:nvGrpSpPr>
-      <p:grpSpPr/>
+      <p:grpSpPr>
+        <a:xfrm>
+          <a:off x="0" y="0"/>
+          <a:ext cx="0" cy="0"/>
+          <a:chOff x="0" y="0"/>
+          <a:chExt cx="0" cy="0"/>
+        </a:xfrm>
+      </p:grpSpPr>
       <p:sp>
         <p:nvSpPr>
           <p:cNvPr id="2" name="标题 1"/>
@@ -3565,12 +3561,12 @@
         <p:spPr/>
         <p:txBody>
           <a:bodyPr/>
+          <a:lstStyle/>
           <a:p>
             <a:r>
               <a:rPr lang="zh-CN" altLang="en-US"/>
               <a:t>目标和愿景</a:t>
             </a:r>
-            <a:endParaRPr lang="zh-CN" altLang="en-US"/>
           </a:p>
         </p:txBody>
       </p:sp>
@@ -3587,6 +3583,7 @@
         <p:spPr/>
         <p:txBody>
           <a:bodyPr/>
+          <a:lstStyle/>
           <a:p>
             <a:pPr>
               <a:lnSpc>
@@ -3609,19 +3606,6 @@
               </a:rPr>
               <a:t>快速原型开发和算法验证；</a:t>
             </a:r>
-            <a:endParaRPr lang="zh-CN" altLang="en-US" sz="2400">
-              <a:ln/>
-              <a:solidFill>
-                <a:schemeClr val="tx1"/>
-              </a:solidFill>
-              <a:effectLst>
-                <a:outerShdw blurRad="38100" dist="19050" dir="2700000" algn="tl" rotWithShape="0">
-                  <a:schemeClr val="dk1">
-                    <a:alpha val="40000"/>
-                  </a:schemeClr>
-                </a:outerShdw>
-              </a:effectLst>
-            </a:endParaRPr>
           </a:p>
           <a:p>
             <a:pPr>
@@ -3645,19 +3629,6 @@
               </a:rPr>
               <a:t>非编程专业人士也能轻松开发软件；</a:t>
             </a:r>
-            <a:endParaRPr lang="zh-CN" altLang="en-US" sz="2400">
-              <a:ln/>
-              <a:solidFill>
-                <a:schemeClr val="tx1"/>
-              </a:solidFill>
-              <a:effectLst>
-                <a:outerShdw blurRad="38100" dist="19050" dir="2700000" algn="tl" rotWithShape="0">
-                  <a:schemeClr val="dk1">
-                    <a:alpha val="40000"/>
-                  </a:schemeClr>
-                </a:outerShdw>
-              </a:effectLst>
-            </a:endParaRPr>
           </a:p>
           <a:p>
             <a:pPr>
@@ -3713,19 +3684,6 @@
               </a:rPr>
               <a:t>）。</a:t>
             </a:r>
-            <a:endParaRPr lang="zh-CN" altLang="en-US" sz="2400">
-              <a:ln/>
-              <a:solidFill>
-                <a:schemeClr val="tx1"/>
-              </a:solidFill>
-              <a:effectLst>
-                <a:outerShdw blurRad="38100" dist="19050" dir="2700000" algn="tl" rotWithShape="0">
-                  <a:schemeClr val="dk1">
-                    <a:alpha val="40000"/>
-                  </a:schemeClr>
-                </a:outerShdw>
-              </a:effectLst>
-            </a:endParaRPr>
           </a:p>
         </p:txBody>
       </p:sp>
@@ -3752,7 +3710,14 @@
         <p:cNvGrpSpPr/>
         <p:nvPr/>
       </p:nvGrpSpPr>
-      <p:grpSpPr/>
+      <p:grpSpPr>
+        <a:xfrm>
+          <a:off x="0" y="0"/>
+          <a:ext cx="0" cy="0"/>
+          <a:chOff x="0" y="0"/>
+          <a:chExt cx="0" cy="0"/>
+        </a:xfrm>
+      </p:grpSpPr>
       <p:sp>
         <p:nvSpPr>
           <p:cNvPr id="2" name="标题 1"/>
@@ -3766,12 +3731,12 @@
         <p:spPr/>
         <p:txBody>
           <a:bodyPr/>
+          <a:lstStyle/>
           <a:p>
             <a:r>
               <a:rPr lang="zh-CN" altLang="en-US"/>
               <a:t>项目现状</a:t>
             </a:r>
-            <a:endParaRPr lang="zh-CN" altLang="en-US"/>
           </a:p>
         </p:txBody>
       </p:sp>
@@ -3788,6 +3753,7 @@
         <p:spPr/>
         <p:txBody>
           <a:bodyPr/>
+          <a:lstStyle/>
           <a:p>
             <a:pPr>
               <a:lnSpc>
@@ -3810,19 +3776,6 @@
               </a:rPr>
               <a:t>完成对编译系统框架的搭建；</a:t>
             </a:r>
-            <a:endParaRPr lang="zh-CN" altLang="en-US" sz="2400">
-              <a:ln/>
-              <a:solidFill>
-                <a:schemeClr val="tx1"/>
-              </a:solidFill>
-              <a:effectLst>
-                <a:outerShdw blurRad="38100" dist="19050" dir="2700000" algn="tl" rotWithShape="0">
-                  <a:schemeClr val="dk1">
-                    <a:alpha val="40000"/>
-                  </a:schemeClr>
-                </a:outerShdw>
-              </a:effectLst>
-            </a:endParaRPr>
           </a:p>
           <a:p>
             <a:pPr>
@@ -3846,19 +3799,6 @@
               </a:rPr>
               <a:t>完成了基础语法文件；</a:t>
             </a:r>
-            <a:endParaRPr lang="zh-CN" altLang="en-US" sz="2400">
-              <a:ln/>
-              <a:solidFill>
-                <a:schemeClr val="tx1"/>
-              </a:solidFill>
-              <a:effectLst>
-                <a:outerShdw blurRad="38100" dist="19050" dir="2700000" algn="tl" rotWithShape="0">
-                  <a:schemeClr val="dk1">
-                    <a:alpha val="40000"/>
-                  </a:schemeClr>
-                </a:outerShdw>
-              </a:effectLst>
-            </a:endParaRPr>
           </a:p>
           <a:p>
             <a:pPr>
@@ -3882,19 +3822,6 @@
               </a:rPr>
               <a:t>完成了从编译到最终可执行程序生成的主流程；</a:t>
             </a:r>
-            <a:endParaRPr lang="zh-CN" altLang="en-US" sz="2400">
-              <a:ln/>
-              <a:solidFill>
-                <a:schemeClr val="tx1"/>
-              </a:solidFill>
-              <a:effectLst>
-                <a:outerShdw blurRad="38100" dist="19050" dir="2700000" algn="tl" rotWithShape="0">
-                  <a:schemeClr val="dk1">
-                    <a:alpha val="40000"/>
-                  </a:schemeClr>
-                </a:outerShdw>
-              </a:effectLst>
-            </a:endParaRPr>
           </a:p>
           <a:p>
             <a:pPr>
@@ -3918,19 +3845,6 @@
               </a:rPr>
               <a:t>实现了部分字符串和数组的运行时静态库。</a:t>
             </a:r>
-            <a:endParaRPr lang="zh-CN" altLang="en-US" sz="2400">
-              <a:ln/>
-              <a:solidFill>
-                <a:schemeClr val="tx1"/>
-              </a:solidFill>
-              <a:effectLst>
-                <a:outerShdw blurRad="38100" dist="19050" dir="2700000" algn="tl" rotWithShape="0">
-                  <a:schemeClr val="dk1">
-                    <a:alpha val="40000"/>
-                  </a:schemeClr>
-                </a:outerShdw>
-              </a:effectLst>
-            </a:endParaRPr>
           </a:p>
         </p:txBody>
       </p:sp>
@@ -3957,7 +3871,14 @@
         <p:cNvGrpSpPr/>
         <p:nvPr/>
       </p:nvGrpSpPr>
-      <p:grpSpPr/>
+      <p:grpSpPr>
+        <a:xfrm>
+          <a:off x="0" y="0"/>
+          <a:ext cx="0" cy="0"/>
+          <a:chOff x="0" y="0"/>
+          <a:chExt cx="0" cy="0"/>
+        </a:xfrm>
+      </p:grpSpPr>
       <p:sp>
         <p:nvSpPr>
           <p:cNvPr id="2" name="标题 1"/>
@@ -3971,37 +3892,865 @@
         <p:spPr/>
         <p:txBody>
           <a:bodyPr/>
+          <a:lstStyle/>
           <a:p>
             <a:r>
               <a:rPr lang="zh-CN" altLang="en-US"/>
               <a:t>路线图</a:t>
             </a:r>
-            <a:endParaRPr lang="zh-CN" altLang="en-US"/>
-          </a:p>
-        </p:txBody>
-      </p:sp>
-      <p:sp>
-        <p:nvSpPr>
-          <p:cNvPr id="4" name="等腰三角形 3"/>
+          </a:p>
+        </p:txBody>
+      </p:sp>
+      <p:graphicFrame>
+        <p:nvGraphicFramePr>
+          <p:cNvPr id="28" name="表格 28">
+            <a:extLst>
+              <a:ext uri="{FF2B5EF4-FFF2-40B4-BE49-F238E27FC236}">
+                <a16:creationId xmlns:a16="http://schemas.microsoft.com/office/drawing/2014/main" id="{8739C778-F6D6-4263-8AE2-854FDE7369FA}"/>
+              </a:ext>
+            </a:extLst>
+          </p:cNvPr>
+          <p:cNvGraphicFramePr>
+            <a:graphicFrameLocks noGrp="1"/>
+          </p:cNvGraphicFramePr>
+          <p:nvPr>
+            <p:extLst>
+              <p:ext uri="{D42A27DB-BD31-4B8C-83A1-F6EECF244321}">
+                <p14:modId xmlns:p14="http://schemas.microsoft.com/office/powerpoint/2010/main" val="2495142774"/>
+              </p:ext>
+            </p:extLst>
+          </p:nvPr>
+        </p:nvGraphicFramePr>
+        <p:xfrm>
+          <a:off x="647700" y="1327913"/>
+          <a:ext cx="11355324" cy="4450080"/>
+        </p:xfrm>
+        <a:graphic>
+          <a:graphicData uri="http://schemas.openxmlformats.org/drawingml/2006/table">
+            <a:tbl>
+              <a:tblPr firstRow="1" bandRow="1">
+                <a:tableStyleId>{5C22544A-7EE6-4342-B048-85BDC9FD1C3A}</a:tableStyleId>
+              </a:tblPr>
+              <a:tblGrid>
+                <a:gridCol w="2528316">
+                  <a:extLst>
+                    <a:ext uri="{9D8B030D-6E8A-4147-A177-3AD203B41FA5}">
+                      <a16:colId xmlns:a16="http://schemas.microsoft.com/office/drawing/2014/main" val="758807111"/>
+                    </a:ext>
+                  </a:extLst>
+                </a:gridCol>
+                <a:gridCol w="8827008">
+                  <a:extLst>
+                    <a:ext uri="{9D8B030D-6E8A-4147-A177-3AD203B41FA5}">
+                      <a16:colId xmlns:a16="http://schemas.microsoft.com/office/drawing/2014/main" val="1545524535"/>
+                    </a:ext>
+                  </a:extLst>
+                </a:gridCol>
+              </a:tblGrid>
+              <a:tr h="370840">
+                <a:tc>
+                  <a:txBody>
+                    <a:bodyPr/>
+                    <a:lstStyle/>
+                    <a:p>
+                      <a:pPr marL="0" marR="0" lvl="0" indent="0" algn="ctr" defTabSz="914400" rtl="0" eaLnBrk="1" fontAlgn="auto" latinLnBrk="0" hangingPunct="1">
+                        <a:lnSpc>
+                          <a:spcPct val="100000"/>
+                        </a:lnSpc>
+                        <a:spcBef>
+                          <a:spcPts val="0"/>
+                        </a:spcBef>
+                        <a:spcAft>
+                          <a:spcPts val="0"/>
+                        </a:spcAft>
+                        <a:buClrTx/>
+                        <a:buSzTx/>
+                        <a:buFontTx/>
+                        <a:buNone/>
+                        <a:tabLst/>
+                        <a:defRPr/>
+                      </a:pPr>
+                      <a:r>
+                        <a:rPr lang="zh-CN" altLang="en-US" dirty="0"/>
+                        <a:t>项目</a:t>
+                      </a:r>
+                    </a:p>
+                  </a:txBody>
+                  <a:tcPr/>
+                </a:tc>
+                <a:tc>
+                  <a:txBody>
+                    <a:bodyPr/>
+                    <a:lstStyle/>
+                    <a:p>
+                      <a:pPr marL="0" marR="0" lvl="0" indent="0" algn="ctr" defTabSz="914400" rtl="0" eaLnBrk="1" fontAlgn="auto" latinLnBrk="0" hangingPunct="1">
+                        <a:lnSpc>
+                          <a:spcPct val="100000"/>
+                        </a:lnSpc>
+                        <a:spcBef>
+                          <a:spcPts val="0"/>
+                        </a:spcBef>
+                        <a:spcAft>
+                          <a:spcPts val="0"/>
+                        </a:spcAft>
+                        <a:buClrTx/>
+                        <a:buSzTx/>
+                        <a:buFontTx/>
+                        <a:buNone/>
+                        <a:tabLst/>
+                        <a:defRPr/>
+                      </a:pPr>
+                      <a:r>
+                        <a:rPr lang="zh-CN" altLang="en-US" dirty="0"/>
+                        <a:t>开发进度规划</a:t>
+                      </a:r>
+                    </a:p>
+                  </a:txBody>
+                  <a:tcPr/>
+                </a:tc>
+                <a:extLst>
+                  <a:ext uri="{0D108BD9-81ED-4DB2-BD59-A6C34878D82A}">
+                    <a16:rowId xmlns:a16="http://schemas.microsoft.com/office/drawing/2014/main" val="1767452494"/>
+                  </a:ext>
+                </a:extLst>
+              </a:tr>
+              <a:tr h="370840">
+                <a:tc>
+                  <a:txBody>
+                    <a:bodyPr/>
+                    <a:lstStyle/>
+                    <a:p>
+                      <a:pPr marL="0" marR="0" lvl="0" indent="0" algn="l" defTabSz="914400" rtl="0" eaLnBrk="1" fontAlgn="auto" latinLnBrk="0" hangingPunct="1">
+                        <a:lnSpc>
+                          <a:spcPct val="100000"/>
+                        </a:lnSpc>
+                        <a:spcBef>
+                          <a:spcPts val="0"/>
+                        </a:spcBef>
+                        <a:spcAft>
+                          <a:spcPts val="0"/>
+                        </a:spcAft>
+                        <a:buClrTx/>
+                        <a:buSzTx/>
+                        <a:buFontTx/>
+                        <a:buNone/>
+                        <a:tabLst/>
+                        <a:defRPr/>
+                      </a:pPr>
+                      <a:r>
+                        <a:rPr lang="zh-CN" altLang="en-US" dirty="0"/>
+                        <a:t>自动</a:t>
+                      </a:r>
+                      <a:r>
+                        <a:rPr lang="en-US" altLang="zh-CN" dirty="0"/>
+                        <a:t>GC</a:t>
+                      </a:r>
+                      <a:endParaRPr lang="zh-CN" altLang="en-US" dirty="0"/>
+                    </a:p>
+                  </a:txBody>
+                  <a:tcPr/>
+                </a:tc>
+                <a:tc>
+                  <a:txBody>
+                    <a:bodyPr/>
+                    <a:lstStyle/>
+                    <a:p>
+                      <a:pPr marL="0" marR="0" lvl="0" indent="0" algn="l" defTabSz="914400" rtl="0" eaLnBrk="1" fontAlgn="auto" latinLnBrk="0" hangingPunct="1">
+                        <a:lnSpc>
+                          <a:spcPct val="100000"/>
+                        </a:lnSpc>
+                        <a:spcBef>
+                          <a:spcPts val="0"/>
+                        </a:spcBef>
+                        <a:spcAft>
+                          <a:spcPts val="0"/>
+                        </a:spcAft>
+                        <a:buClrTx/>
+                        <a:buSzTx/>
+                        <a:buFontTx/>
+                        <a:buNone/>
+                        <a:tabLst/>
+                        <a:defRPr/>
+                      </a:pPr>
+                      <a:endParaRPr lang="zh-CN" altLang="en-US" dirty="0"/>
+                    </a:p>
+                  </a:txBody>
+                  <a:tcPr/>
+                </a:tc>
+                <a:extLst>
+                  <a:ext uri="{0D108BD9-81ED-4DB2-BD59-A6C34878D82A}">
+                    <a16:rowId xmlns:a16="http://schemas.microsoft.com/office/drawing/2014/main" val="2766151836"/>
+                  </a:ext>
+                </a:extLst>
+              </a:tr>
+              <a:tr h="370840">
+                <a:tc>
+                  <a:txBody>
+                    <a:bodyPr/>
+                    <a:lstStyle/>
+                    <a:p>
+                      <a:pPr marL="0" marR="0" lvl="0" indent="0" algn="l" defTabSz="914400" rtl="0" eaLnBrk="1" fontAlgn="auto" latinLnBrk="0" hangingPunct="1">
+                        <a:lnSpc>
+                          <a:spcPct val="100000"/>
+                        </a:lnSpc>
+                        <a:spcBef>
+                          <a:spcPts val="0"/>
+                        </a:spcBef>
+                        <a:spcAft>
+                          <a:spcPts val="0"/>
+                        </a:spcAft>
+                        <a:buClrTx/>
+                        <a:buSzTx/>
+                        <a:buFontTx/>
+                        <a:buNone/>
+                        <a:tabLst/>
+                        <a:defRPr/>
+                      </a:pPr>
+                      <a:r>
+                        <a:rPr lang="zh-CN" altLang="en-US" dirty="0"/>
+                        <a:t>编译运行时系统</a:t>
+                      </a:r>
+                    </a:p>
+                  </a:txBody>
+                  <a:tcPr/>
+                </a:tc>
+                <a:tc>
+                  <a:txBody>
+                    <a:bodyPr/>
+                    <a:lstStyle/>
+                    <a:p>
+                      <a:pPr marL="0" marR="0" lvl="0" indent="0" algn="l" defTabSz="914400" rtl="0" eaLnBrk="1" fontAlgn="auto" latinLnBrk="0" hangingPunct="1">
+                        <a:lnSpc>
+                          <a:spcPct val="100000"/>
+                        </a:lnSpc>
+                        <a:spcBef>
+                          <a:spcPts val="0"/>
+                        </a:spcBef>
+                        <a:spcAft>
+                          <a:spcPts val="0"/>
+                        </a:spcAft>
+                        <a:buClrTx/>
+                        <a:buSzTx/>
+                        <a:buFontTx/>
+                        <a:buNone/>
+                        <a:tabLst/>
+                        <a:defRPr/>
+                      </a:pPr>
+                      <a:endParaRPr lang="zh-CN" altLang="en-US" dirty="0"/>
+                    </a:p>
+                  </a:txBody>
+                  <a:tcPr/>
+                </a:tc>
+                <a:extLst>
+                  <a:ext uri="{0D108BD9-81ED-4DB2-BD59-A6C34878D82A}">
+                    <a16:rowId xmlns:a16="http://schemas.microsoft.com/office/drawing/2014/main" val="832704455"/>
+                  </a:ext>
+                </a:extLst>
+              </a:tr>
+              <a:tr h="370840">
+                <a:tc>
+                  <a:txBody>
+                    <a:bodyPr/>
+                    <a:lstStyle/>
+                    <a:p>
+                      <a:pPr marL="0" marR="0" lvl="0" indent="0" algn="l" defTabSz="914400" rtl="0" eaLnBrk="1" fontAlgn="auto" latinLnBrk="0" hangingPunct="1">
+                        <a:lnSpc>
+                          <a:spcPct val="100000"/>
+                        </a:lnSpc>
+                        <a:spcBef>
+                          <a:spcPts val="0"/>
+                        </a:spcBef>
+                        <a:spcAft>
+                          <a:spcPts val="0"/>
+                        </a:spcAft>
+                        <a:buClrTx/>
+                        <a:buSzTx/>
+                        <a:buFontTx/>
+                        <a:buNone/>
+                        <a:tabLst/>
+                        <a:defRPr/>
+                      </a:pPr>
+                      <a:r>
+                        <a:rPr lang="zh-CN" altLang="en-US" dirty="0"/>
+                        <a:t>可视化界面设计工具</a:t>
+                      </a:r>
+                    </a:p>
+                  </a:txBody>
+                  <a:tcPr/>
+                </a:tc>
+                <a:tc>
+                  <a:txBody>
+                    <a:bodyPr/>
+                    <a:lstStyle/>
+                    <a:p>
+                      <a:pPr marL="0" marR="0" lvl="0" indent="0" algn="l" defTabSz="914400" rtl="0" eaLnBrk="1" fontAlgn="auto" latinLnBrk="0" hangingPunct="1">
+                        <a:lnSpc>
+                          <a:spcPct val="100000"/>
+                        </a:lnSpc>
+                        <a:spcBef>
+                          <a:spcPts val="0"/>
+                        </a:spcBef>
+                        <a:spcAft>
+                          <a:spcPts val="0"/>
+                        </a:spcAft>
+                        <a:buClrTx/>
+                        <a:buSzTx/>
+                        <a:buFontTx/>
+                        <a:buNone/>
+                        <a:tabLst/>
+                        <a:defRPr/>
+                      </a:pPr>
+                      <a:endParaRPr lang="zh-CN" altLang="en-US" dirty="0"/>
+                    </a:p>
+                  </a:txBody>
+                  <a:tcPr/>
+                </a:tc>
+                <a:extLst>
+                  <a:ext uri="{0D108BD9-81ED-4DB2-BD59-A6C34878D82A}">
+                    <a16:rowId xmlns:a16="http://schemas.microsoft.com/office/drawing/2014/main" val="1269339587"/>
+                  </a:ext>
+                </a:extLst>
+              </a:tr>
+              <a:tr h="370840">
+                <a:tc>
+                  <a:txBody>
+                    <a:bodyPr/>
+                    <a:lstStyle/>
+                    <a:p>
+                      <a:pPr marL="0" marR="0" lvl="0" indent="0" algn="l" defTabSz="914400" rtl="0" eaLnBrk="1" fontAlgn="auto" latinLnBrk="0" hangingPunct="1">
+                        <a:lnSpc>
+                          <a:spcPct val="100000"/>
+                        </a:lnSpc>
+                        <a:spcBef>
+                          <a:spcPts val="0"/>
+                        </a:spcBef>
+                        <a:spcAft>
+                          <a:spcPts val="0"/>
+                        </a:spcAft>
+                        <a:buClrTx/>
+                        <a:buSzTx/>
+                        <a:buFontTx/>
+                        <a:buNone/>
+                        <a:tabLst/>
+                        <a:defRPr/>
+                      </a:pPr>
+                      <a:r>
+                        <a:rPr lang="zh-CN" altLang="en-US" dirty="0"/>
+                        <a:t>兼容其他语言库接口</a:t>
+                      </a:r>
+                    </a:p>
+                  </a:txBody>
+                  <a:tcPr/>
+                </a:tc>
+                <a:tc>
+                  <a:txBody>
+                    <a:bodyPr/>
+                    <a:lstStyle/>
+                    <a:p>
+                      <a:pPr marL="0" marR="0" lvl="0" indent="0" algn="l" defTabSz="914400" rtl="0" eaLnBrk="1" fontAlgn="auto" latinLnBrk="0" hangingPunct="1">
+                        <a:lnSpc>
+                          <a:spcPct val="100000"/>
+                        </a:lnSpc>
+                        <a:spcBef>
+                          <a:spcPts val="0"/>
+                        </a:spcBef>
+                        <a:spcAft>
+                          <a:spcPts val="0"/>
+                        </a:spcAft>
+                        <a:buClrTx/>
+                        <a:buSzTx/>
+                        <a:buFontTx/>
+                        <a:buNone/>
+                        <a:tabLst/>
+                        <a:defRPr/>
+                      </a:pPr>
+                      <a:endParaRPr lang="zh-CN" altLang="en-US" dirty="0"/>
+                    </a:p>
+                  </a:txBody>
+                  <a:tcPr/>
+                </a:tc>
+                <a:extLst>
+                  <a:ext uri="{0D108BD9-81ED-4DB2-BD59-A6C34878D82A}">
+                    <a16:rowId xmlns:a16="http://schemas.microsoft.com/office/drawing/2014/main" val="1607415609"/>
+                  </a:ext>
+                </a:extLst>
+              </a:tr>
+              <a:tr h="370840">
+                <a:tc>
+                  <a:txBody>
+                    <a:bodyPr/>
+                    <a:lstStyle/>
+                    <a:p>
+                      <a:pPr marL="0" marR="0" lvl="0" indent="0" algn="l" defTabSz="914400" rtl="0" eaLnBrk="1" fontAlgn="auto" latinLnBrk="0" hangingPunct="1">
+                        <a:lnSpc>
+                          <a:spcPct val="100000"/>
+                        </a:lnSpc>
+                        <a:spcBef>
+                          <a:spcPts val="0"/>
+                        </a:spcBef>
+                        <a:spcAft>
+                          <a:spcPts val="0"/>
+                        </a:spcAft>
+                        <a:buClrTx/>
+                        <a:buSzTx/>
+                        <a:buFontTx/>
+                        <a:buNone/>
+                        <a:tabLst/>
+                        <a:defRPr/>
+                      </a:pPr>
+                      <a:r>
+                        <a:rPr lang="zh-CN" altLang="en-US" dirty="0"/>
+                        <a:t>增强外部互操作性</a:t>
+                      </a:r>
+                    </a:p>
+                  </a:txBody>
+                  <a:tcPr/>
+                </a:tc>
+                <a:tc>
+                  <a:txBody>
+                    <a:bodyPr/>
+                    <a:lstStyle/>
+                    <a:p>
+                      <a:pPr marL="0" marR="0" lvl="0" indent="0" algn="l" defTabSz="914400" rtl="0" eaLnBrk="1" fontAlgn="auto" latinLnBrk="0" hangingPunct="1">
+                        <a:lnSpc>
+                          <a:spcPct val="100000"/>
+                        </a:lnSpc>
+                        <a:spcBef>
+                          <a:spcPts val="0"/>
+                        </a:spcBef>
+                        <a:spcAft>
+                          <a:spcPts val="0"/>
+                        </a:spcAft>
+                        <a:buClrTx/>
+                        <a:buSzTx/>
+                        <a:buFontTx/>
+                        <a:buNone/>
+                        <a:tabLst/>
+                        <a:defRPr/>
+                      </a:pPr>
+                      <a:endParaRPr lang="zh-CN" altLang="en-US" dirty="0"/>
+                    </a:p>
+                  </a:txBody>
+                  <a:tcPr/>
+                </a:tc>
+                <a:extLst>
+                  <a:ext uri="{0D108BD9-81ED-4DB2-BD59-A6C34878D82A}">
+                    <a16:rowId xmlns:a16="http://schemas.microsoft.com/office/drawing/2014/main" val="1605707435"/>
+                  </a:ext>
+                </a:extLst>
+              </a:tr>
+              <a:tr h="370840">
+                <a:tc>
+                  <a:txBody>
+                    <a:bodyPr/>
+                    <a:lstStyle/>
+                    <a:p>
+                      <a:pPr marL="0" marR="0" lvl="0" indent="0" algn="l" defTabSz="914400" rtl="0" eaLnBrk="1" fontAlgn="auto" latinLnBrk="0" hangingPunct="1">
+                        <a:lnSpc>
+                          <a:spcPct val="100000"/>
+                        </a:lnSpc>
+                        <a:spcBef>
+                          <a:spcPts val="0"/>
+                        </a:spcBef>
+                        <a:spcAft>
+                          <a:spcPts val="0"/>
+                        </a:spcAft>
+                        <a:buClrTx/>
+                        <a:buSzTx/>
+                        <a:buFontTx/>
+                        <a:buNone/>
+                        <a:tabLst/>
+                        <a:defRPr/>
+                      </a:pPr>
+                      <a:r>
+                        <a:rPr lang="zh-CN" altLang="en-US" dirty="0"/>
+                        <a:t>核心运行时库</a:t>
+                      </a:r>
+                    </a:p>
+                  </a:txBody>
+                  <a:tcPr/>
+                </a:tc>
+                <a:tc>
+                  <a:txBody>
+                    <a:bodyPr/>
+                    <a:lstStyle/>
+                    <a:p>
+                      <a:pPr marL="0" marR="0" lvl="0" indent="0" algn="l" defTabSz="914400" rtl="0" eaLnBrk="1" fontAlgn="auto" latinLnBrk="0" hangingPunct="1">
+                        <a:lnSpc>
+                          <a:spcPct val="100000"/>
+                        </a:lnSpc>
+                        <a:spcBef>
+                          <a:spcPts val="0"/>
+                        </a:spcBef>
+                        <a:spcAft>
+                          <a:spcPts val="0"/>
+                        </a:spcAft>
+                        <a:buClrTx/>
+                        <a:buSzTx/>
+                        <a:buFontTx/>
+                        <a:buNone/>
+                        <a:tabLst/>
+                        <a:defRPr/>
+                      </a:pPr>
+                      <a:endParaRPr lang="zh-CN" altLang="en-US" dirty="0"/>
+                    </a:p>
+                  </a:txBody>
+                  <a:tcPr/>
+                </a:tc>
+                <a:extLst>
+                  <a:ext uri="{0D108BD9-81ED-4DB2-BD59-A6C34878D82A}">
+                    <a16:rowId xmlns:a16="http://schemas.microsoft.com/office/drawing/2014/main" val="3955047282"/>
+                  </a:ext>
+                </a:extLst>
+              </a:tr>
+              <a:tr h="370840">
+                <a:tc>
+                  <a:txBody>
+                    <a:bodyPr/>
+                    <a:lstStyle/>
+                    <a:p>
+                      <a:pPr marL="0" marR="0" lvl="0" indent="0" algn="l" defTabSz="914400" rtl="0" eaLnBrk="1" fontAlgn="auto" latinLnBrk="0" hangingPunct="1">
+                        <a:lnSpc>
+                          <a:spcPct val="100000"/>
+                        </a:lnSpc>
+                        <a:spcBef>
+                          <a:spcPts val="0"/>
+                        </a:spcBef>
+                        <a:spcAft>
+                          <a:spcPts val="0"/>
+                        </a:spcAft>
+                        <a:buClrTx/>
+                        <a:buSzTx/>
+                        <a:buFontTx/>
+                        <a:buNone/>
+                        <a:tabLst/>
+                        <a:defRPr/>
+                      </a:pPr>
+                      <a:r>
+                        <a:rPr lang="zh-CN" altLang="en-US" dirty="0"/>
+                        <a:t>专用集成开发环境</a:t>
+                      </a:r>
+                    </a:p>
+                  </a:txBody>
+                  <a:tcPr/>
+                </a:tc>
+                <a:tc>
+                  <a:txBody>
+                    <a:bodyPr/>
+                    <a:lstStyle/>
+                    <a:p>
+                      <a:pPr marL="0" marR="0" lvl="0" indent="0" algn="l" defTabSz="914400" rtl="0" eaLnBrk="1" fontAlgn="auto" latinLnBrk="0" hangingPunct="1">
+                        <a:lnSpc>
+                          <a:spcPct val="100000"/>
+                        </a:lnSpc>
+                        <a:spcBef>
+                          <a:spcPts val="0"/>
+                        </a:spcBef>
+                        <a:spcAft>
+                          <a:spcPts val="0"/>
+                        </a:spcAft>
+                        <a:buClrTx/>
+                        <a:buSzTx/>
+                        <a:buFontTx/>
+                        <a:buNone/>
+                        <a:tabLst/>
+                        <a:defRPr/>
+                      </a:pPr>
+                      <a:endParaRPr lang="zh-CN" altLang="en-US" dirty="0"/>
+                    </a:p>
+                  </a:txBody>
+                  <a:tcPr/>
+                </a:tc>
+                <a:extLst>
+                  <a:ext uri="{0D108BD9-81ED-4DB2-BD59-A6C34878D82A}">
+                    <a16:rowId xmlns:a16="http://schemas.microsoft.com/office/drawing/2014/main" val="3605362878"/>
+                  </a:ext>
+                </a:extLst>
+              </a:tr>
+              <a:tr h="370840">
+                <a:tc>
+                  <a:txBody>
+                    <a:bodyPr/>
+                    <a:lstStyle/>
+                    <a:p>
+                      <a:pPr marL="0" marR="0" lvl="0" indent="0" algn="l" defTabSz="914400" rtl="0" eaLnBrk="1" fontAlgn="auto" latinLnBrk="0" hangingPunct="1">
+                        <a:lnSpc>
+                          <a:spcPct val="100000"/>
+                        </a:lnSpc>
+                        <a:spcBef>
+                          <a:spcPts val="0"/>
+                        </a:spcBef>
+                        <a:spcAft>
+                          <a:spcPts val="0"/>
+                        </a:spcAft>
+                        <a:buClrTx/>
+                        <a:buSzTx/>
+                        <a:buFontTx/>
+                        <a:buNone/>
+                        <a:tabLst/>
+                        <a:defRPr/>
+                      </a:pPr>
+                      <a:r>
+                        <a:rPr lang="zh-CN" altLang="en-US" dirty="0"/>
+                        <a:t>声明式开发</a:t>
+                      </a:r>
+                    </a:p>
+                  </a:txBody>
+                  <a:tcPr/>
+                </a:tc>
+                <a:tc>
+                  <a:txBody>
+                    <a:bodyPr/>
+                    <a:lstStyle/>
+                    <a:p>
+                      <a:pPr marL="0" marR="0" lvl="0" indent="0" algn="l" defTabSz="914400" rtl="0" eaLnBrk="1" fontAlgn="auto" latinLnBrk="0" hangingPunct="1">
+                        <a:lnSpc>
+                          <a:spcPct val="100000"/>
+                        </a:lnSpc>
+                        <a:spcBef>
+                          <a:spcPts val="0"/>
+                        </a:spcBef>
+                        <a:spcAft>
+                          <a:spcPts val="0"/>
+                        </a:spcAft>
+                        <a:buClrTx/>
+                        <a:buSzTx/>
+                        <a:buFontTx/>
+                        <a:buNone/>
+                        <a:tabLst/>
+                        <a:defRPr/>
+                      </a:pPr>
+                      <a:endParaRPr lang="zh-CN" altLang="en-US" dirty="0"/>
+                    </a:p>
+                  </a:txBody>
+                  <a:tcPr/>
+                </a:tc>
+                <a:extLst>
+                  <a:ext uri="{0D108BD9-81ED-4DB2-BD59-A6C34878D82A}">
+                    <a16:rowId xmlns:a16="http://schemas.microsoft.com/office/drawing/2014/main" val="2327868388"/>
+                  </a:ext>
+                </a:extLst>
+              </a:tr>
+              <a:tr h="370840">
+                <a:tc>
+                  <a:txBody>
+                    <a:bodyPr/>
+                    <a:lstStyle/>
+                    <a:p>
+                      <a:pPr marL="0" marR="0" lvl="0" indent="0" algn="l" defTabSz="914400" rtl="0" eaLnBrk="1" fontAlgn="auto" latinLnBrk="0" hangingPunct="1">
+                        <a:lnSpc>
+                          <a:spcPct val="100000"/>
+                        </a:lnSpc>
+                        <a:spcBef>
+                          <a:spcPts val="0"/>
+                        </a:spcBef>
+                        <a:spcAft>
+                          <a:spcPts val="0"/>
+                        </a:spcAft>
+                        <a:buClrTx/>
+                        <a:buSzTx/>
+                        <a:buFontTx/>
+                        <a:buNone/>
+                        <a:tabLst/>
+                        <a:defRPr/>
+                      </a:pPr>
+                      <a:r>
+                        <a:rPr lang="zh-CN" altLang="en-US" dirty="0"/>
+                        <a:t>基于对象</a:t>
+                      </a:r>
+                    </a:p>
+                  </a:txBody>
+                  <a:tcPr/>
+                </a:tc>
+                <a:tc>
+                  <a:txBody>
+                    <a:bodyPr/>
+                    <a:lstStyle/>
+                    <a:p>
+                      <a:pPr marL="0" marR="0" lvl="0" indent="0" algn="l" defTabSz="914400" rtl="0" eaLnBrk="1" fontAlgn="auto" latinLnBrk="0" hangingPunct="1">
+                        <a:lnSpc>
+                          <a:spcPct val="100000"/>
+                        </a:lnSpc>
+                        <a:spcBef>
+                          <a:spcPts val="0"/>
+                        </a:spcBef>
+                        <a:spcAft>
+                          <a:spcPts val="0"/>
+                        </a:spcAft>
+                        <a:buClrTx/>
+                        <a:buSzTx/>
+                        <a:buFontTx/>
+                        <a:buNone/>
+                        <a:tabLst/>
+                        <a:defRPr/>
+                      </a:pPr>
+                      <a:endParaRPr lang="zh-CN" altLang="en-US" dirty="0"/>
+                    </a:p>
+                  </a:txBody>
+                  <a:tcPr/>
+                </a:tc>
+                <a:extLst>
+                  <a:ext uri="{0D108BD9-81ED-4DB2-BD59-A6C34878D82A}">
+                    <a16:rowId xmlns:a16="http://schemas.microsoft.com/office/drawing/2014/main" val="2104880581"/>
+                  </a:ext>
+                </a:extLst>
+              </a:tr>
+              <a:tr h="370840">
+                <a:tc>
+                  <a:txBody>
+                    <a:bodyPr/>
+                    <a:lstStyle/>
+                    <a:p>
+                      <a:pPr marL="0" marR="0" lvl="0" indent="0" algn="l" defTabSz="914400" rtl="0" eaLnBrk="1" fontAlgn="auto" latinLnBrk="0" hangingPunct="1">
+                        <a:lnSpc>
+                          <a:spcPct val="100000"/>
+                        </a:lnSpc>
+                        <a:spcBef>
+                          <a:spcPts val="0"/>
+                        </a:spcBef>
+                        <a:spcAft>
+                          <a:spcPts val="0"/>
+                        </a:spcAft>
+                        <a:buClrTx/>
+                        <a:buSzTx/>
+                        <a:buFontTx/>
+                        <a:buNone/>
+                        <a:tabLst/>
+                        <a:defRPr/>
+                      </a:pPr>
+                      <a:r>
+                        <a:rPr lang="zh-CN" altLang="en-US" dirty="0"/>
+                        <a:t>面向对象</a:t>
+                      </a:r>
+                    </a:p>
+                  </a:txBody>
+                  <a:tcPr/>
+                </a:tc>
+                <a:tc>
+                  <a:txBody>
+                    <a:bodyPr/>
+                    <a:lstStyle/>
+                    <a:p>
+                      <a:pPr marL="0" marR="0" lvl="0" indent="0" algn="l" defTabSz="914400" rtl="0" eaLnBrk="1" fontAlgn="auto" latinLnBrk="0" hangingPunct="1">
+                        <a:lnSpc>
+                          <a:spcPct val="100000"/>
+                        </a:lnSpc>
+                        <a:spcBef>
+                          <a:spcPts val="0"/>
+                        </a:spcBef>
+                        <a:spcAft>
+                          <a:spcPts val="0"/>
+                        </a:spcAft>
+                        <a:buClrTx/>
+                        <a:buSzTx/>
+                        <a:buFontTx/>
+                        <a:buNone/>
+                        <a:tabLst/>
+                        <a:defRPr/>
+                      </a:pPr>
+                      <a:endParaRPr lang="zh-CN" altLang="en-US" dirty="0"/>
+                    </a:p>
+                  </a:txBody>
+                  <a:tcPr/>
+                </a:tc>
+                <a:extLst>
+                  <a:ext uri="{0D108BD9-81ED-4DB2-BD59-A6C34878D82A}">
+                    <a16:rowId xmlns:a16="http://schemas.microsoft.com/office/drawing/2014/main" val="2437689975"/>
+                  </a:ext>
+                </a:extLst>
+              </a:tr>
+              <a:tr h="370840">
+                <a:tc>
+                  <a:txBody>
+                    <a:bodyPr/>
+                    <a:lstStyle/>
+                    <a:p>
+                      <a:pPr marL="0" marR="0" lvl="0" indent="0" algn="l" defTabSz="914400" rtl="0" eaLnBrk="1" fontAlgn="auto" latinLnBrk="0" hangingPunct="1">
+                        <a:lnSpc>
+                          <a:spcPct val="100000"/>
+                        </a:lnSpc>
+                        <a:spcBef>
+                          <a:spcPts val="0"/>
+                        </a:spcBef>
+                        <a:spcAft>
+                          <a:spcPts val="0"/>
+                        </a:spcAft>
+                        <a:buClrTx/>
+                        <a:buSzTx/>
+                        <a:buFontTx/>
+                        <a:buNone/>
+                        <a:tabLst/>
+                        <a:defRPr/>
+                      </a:pPr>
+                      <a:r>
+                        <a:rPr lang="zh-CN" altLang="en-US"/>
+                        <a:t>支持</a:t>
+                      </a:r>
+                      <a:r>
+                        <a:rPr lang="zh-CN" altLang="en-US" dirty="0"/>
+                        <a:t>多端开发</a:t>
+                      </a:r>
+                    </a:p>
+                  </a:txBody>
+                  <a:tcPr/>
+                </a:tc>
+                <a:tc>
+                  <a:txBody>
+                    <a:bodyPr/>
+                    <a:lstStyle/>
+                    <a:p>
+                      <a:pPr marL="0" marR="0" lvl="0" indent="0" algn="l" defTabSz="914400" rtl="0" eaLnBrk="1" fontAlgn="auto" latinLnBrk="0" hangingPunct="1">
+                        <a:lnSpc>
+                          <a:spcPct val="100000"/>
+                        </a:lnSpc>
+                        <a:spcBef>
+                          <a:spcPts val="0"/>
+                        </a:spcBef>
+                        <a:spcAft>
+                          <a:spcPts val="0"/>
+                        </a:spcAft>
+                        <a:buClrTx/>
+                        <a:buSzTx/>
+                        <a:buFontTx/>
+                        <a:buNone/>
+                        <a:tabLst/>
+                        <a:defRPr/>
+                      </a:pPr>
+                      <a:endParaRPr lang="zh-CN" altLang="en-US" dirty="0"/>
+                    </a:p>
+                  </a:txBody>
+                  <a:tcPr/>
+                </a:tc>
+                <a:extLst>
+                  <a:ext uri="{0D108BD9-81ED-4DB2-BD59-A6C34878D82A}">
+                    <a16:rowId xmlns:a16="http://schemas.microsoft.com/office/drawing/2014/main" val="54677080"/>
+                  </a:ext>
+                </a:extLst>
+              </a:tr>
+            </a:tbl>
+          </a:graphicData>
+        </a:graphic>
+      </p:graphicFrame>
+      <p:sp>
+        <p:nvSpPr>
+          <p:cNvPr id="30" name="矩形: 圆角 29">
+            <a:extLst>
+              <a:ext uri="{FF2B5EF4-FFF2-40B4-BE49-F238E27FC236}">
+                <a16:creationId xmlns:a16="http://schemas.microsoft.com/office/drawing/2014/main" id="{86E18E65-BC97-4500-9A4A-91D08693F89F}"/>
+              </a:ext>
+            </a:extLst>
+          </p:cNvPr>
           <p:cNvSpPr/>
           <p:nvPr/>
         </p:nvSpPr>
         <p:spPr>
-          <a:xfrm rot="5400000">
-            <a:off x="10900410" y="3132455"/>
-            <a:ext cx="689610" cy="593725"/>
+          <a:xfrm>
+            <a:off x="3712464" y="1749552"/>
+            <a:ext cx="1487424" cy="280416"/>
           </a:xfrm>
-          <a:prstGeom prst="triangle">
+          <a:prstGeom prst="roundRect">
             <a:avLst/>
           </a:prstGeom>
-          <a:solidFill>
-            <a:schemeClr val="accent5"/>
-          </a:solidFill>
-          <a:ln>
-            <a:solidFill>
-              <a:schemeClr val="accent5"/>
-            </a:solidFill>
-          </a:ln>
         </p:spPr>
         <p:style>
           <a:lnRef idx="2">
@@ -4021,819 +4770,469 @@
         </p:style>
         <p:txBody>
           <a:bodyPr rtlCol="0" anchor="ctr"/>
+          <a:lstStyle/>
           <a:p>
             <a:pPr algn="ctr"/>
             <a:endParaRPr lang="zh-CN" altLang="en-US"/>
           </a:p>
         </p:txBody>
       </p:sp>
-      <p:cxnSp>
-        <p:nvCxnSpPr>
-          <p:cNvPr id="5" name="直接连接符 4"/>
-          <p:cNvCxnSpPr>
-            <a:stCxn id="4" idx="3"/>
-          </p:cNvCxnSpPr>
+      <p:sp>
+        <p:nvSpPr>
+          <p:cNvPr id="31" name="矩形: 圆角 30">
+            <a:extLst>
+              <a:ext uri="{FF2B5EF4-FFF2-40B4-BE49-F238E27FC236}">
+                <a16:creationId xmlns:a16="http://schemas.microsoft.com/office/drawing/2014/main" id="{30E28A67-E460-40D7-AC55-F890E71A16BE}"/>
+              </a:ext>
+            </a:extLst>
+          </p:cNvPr>
+          <p:cNvSpPr/>
           <p:nvPr/>
-        </p:nvCxnSpPr>
+        </p:nvSpPr>
         <p:spPr>
-          <a:xfrm flipH="1" flipV="1">
-            <a:off x="975360" y="3429000"/>
-            <a:ext cx="9973310" cy="635"/>
+          <a:xfrm>
+            <a:off x="3553968" y="2121408"/>
+            <a:ext cx="3163824" cy="280416"/>
           </a:xfrm>
-          <a:prstGeom prst="line">
+          <a:prstGeom prst="roundRect">
             <a:avLst/>
           </a:prstGeom>
-          <a:solidFill>
-            <a:schemeClr val="accent5"/>
-          </a:solidFill>
-          <a:ln w="73025" cap="rnd" cmpd="sng">
-            <a:solidFill>
-              <a:schemeClr val="accent5"/>
-            </a:solidFill>
-            <a:prstDash val="solid"/>
-          </a:ln>
         </p:spPr>
         <p:style>
-          <a:lnRef idx="1">
-            <a:schemeClr val="accent1"/>
+          <a:lnRef idx="2">
+            <a:schemeClr val="accent1">
+              <a:shade val="50000"/>
+            </a:schemeClr>
           </a:lnRef>
-          <a:fillRef idx="0">
+          <a:fillRef idx="1">
             <a:schemeClr val="accent1"/>
           </a:fillRef>
           <a:effectRef idx="0">
             <a:schemeClr val="accent1"/>
           </a:effectRef>
           <a:fontRef idx="minor">
-            <a:schemeClr val="tx1"/>
+            <a:schemeClr val="lt1"/>
           </a:fontRef>
         </p:style>
-      </p:cxnSp>
-      <p:cxnSp>
-        <p:nvCxnSpPr>
-          <p:cNvPr id="6" name="直接连接符 5"/>
-          <p:cNvCxnSpPr/>
+        <p:txBody>
+          <a:bodyPr rtlCol="0" anchor="ctr"/>
+          <a:lstStyle/>
+          <a:p>
+            <a:pPr algn="ctr"/>
+            <a:endParaRPr lang="zh-CN" altLang="en-US"/>
+          </a:p>
+        </p:txBody>
+      </p:sp>
+      <p:sp>
+        <p:nvSpPr>
+          <p:cNvPr id="32" name="矩形: 圆角 31">
+            <a:extLst>
+              <a:ext uri="{FF2B5EF4-FFF2-40B4-BE49-F238E27FC236}">
+                <a16:creationId xmlns:a16="http://schemas.microsoft.com/office/drawing/2014/main" id="{4F26A4AE-7D65-42A4-B565-68ABB6637CCF}"/>
+              </a:ext>
+            </a:extLst>
+          </p:cNvPr>
+          <p:cNvSpPr/>
           <p:nvPr/>
-        </p:nvCxnSpPr>
+        </p:nvSpPr>
         <p:spPr>
-          <a:xfrm flipH="1" flipV="1">
-            <a:off x="617220" y="3077845"/>
-            <a:ext cx="344170" cy="344170"/>
+          <a:xfrm>
+            <a:off x="6931152" y="2487168"/>
+            <a:ext cx="3810000" cy="280416"/>
           </a:xfrm>
-          <a:prstGeom prst="line">
+          <a:prstGeom prst="roundRect">
             <a:avLst/>
           </a:prstGeom>
-          <a:solidFill>
-            <a:schemeClr val="accent5"/>
-          </a:solidFill>
-          <a:ln w="73025" cap="rnd">
-            <a:solidFill>
-              <a:schemeClr val="accent5"/>
-            </a:solidFill>
-          </a:ln>
         </p:spPr>
         <p:style>
-          <a:lnRef idx="1">
-            <a:schemeClr val="accent1"/>
+          <a:lnRef idx="2">
+            <a:schemeClr val="accent1">
+              <a:shade val="50000"/>
+            </a:schemeClr>
           </a:lnRef>
-          <a:fillRef idx="0">
+          <a:fillRef idx="1">
             <a:schemeClr val="accent1"/>
           </a:fillRef>
           <a:effectRef idx="0">
             <a:schemeClr val="accent1"/>
           </a:effectRef>
           <a:fontRef idx="minor">
-            <a:schemeClr val="tx1"/>
+            <a:schemeClr val="lt1"/>
           </a:fontRef>
         </p:style>
-      </p:cxnSp>
-      <p:cxnSp>
-        <p:nvCxnSpPr>
-          <p:cNvPr id="7" name="直接连接符 6"/>
-          <p:cNvCxnSpPr/>
+        <p:txBody>
+          <a:bodyPr rtlCol="0" anchor="ctr"/>
+          <a:lstStyle/>
+          <a:p>
+            <a:pPr algn="ctr"/>
+            <a:endParaRPr lang="zh-CN" altLang="en-US"/>
+          </a:p>
+        </p:txBody>
+      </p:sp>
+      <p:sp>
+        <p:nvSpPr>
+          <p:cNvPr id="33" name="矩形: 圆角 32">
+            <a:extLst>
+              <a:ext uri="{FF2B5EF4-FFF2-40B4-BE49-F238E27FC236}">
+                <a16:creationId xmlns:a16="http://schemas.microsoft.com/office/drawing/2014/main" id="{9FA13DEF-AAFD-4220-98C3-D54B2BB95466}"/>
+              </a:ext>
+            </a:extLst>
+          </p:cNvPr>
+          <p:cNvSpPr/>
           <p:nvPr/>
-        </p:nvCxnSpPr>
+        </p:nvSpPr>
         <p:spPr>
-          <a:xfrm flipV="1">
-            <a:off x="638175" y="3422015"/>
-            <a:ext cx="316230" cy="400050"/>
+          <a:xfrm>
+            <a:off x="5748528" y="2852928"/>
+            <a:ext cx="3017520" cy="280416"/>
           </a:xfrm>
-          <a:prstGeom prst="line">
+          <a:prstGeom prst="roundRect">
             <a:avLst/>
           </a:prstGeom>
-          <a:solidFill>
-            <a:schemeClr val="accent5"/>
-          </a:solidFill>
-          <a:ln w="73025" cap="rnd">
-            <a:solidFill>
-              <a:schemeClr val="accent5"/>
-            </a:solidFill>
-          </a:ln>
         </p:spPr>
         <p:style>
-          <a:lnRef idx="1">
-            <a:schemeClr val="accent1"/>
+          <a:lnRef idx="2">
+            <a:schemeClr val="accent1">
+              <a:shade val="50000"/>
+            </a:schemeClr>
           </a:lnRef>
-          <a:fillRef idx="0">
+          <a:fillRef idx="1">
             <a:schemeClr val="accent1"/>
           </a:fillRef>
           <a:effectRef idx="0">
             <a:schemeClr val="accent1"/>
           </a:effectRef>
           <a:fontRef idx="minor">
-            <a:schemeClr val="tx1"/>
+            <a:schemeClr val="lt1"/>
           </a:fontRef>
         </p:style>
-      </p:cxnSp>
-      <p:cxnSp>
-        <p:nvCxnSpPr>
-          <p:cNvPr id="8" name="直接连接符 7"/>
-          <p:cNvCxnSpPr/>
+        <p:txBody>
+          <a:bodyPr rtlCol="0" anchor="ctr"/>
+          <a:lstStyle/>
+          <a:p>
+            <a:pPr algn="ctr"/>
+            <a:endParaRPr lang="zh-CN" altLang="en-US"/>
+          </a:p>
+        </p:txBody>
+      </p:sp>
+      <p:sp>
+        <p:nvSpPr>
+          <p:cNvPr id="34" name="矩形: 圆角 33">
+            <a:extLst>
+              <a:ext uri="{FF2B5EF4-FFF2-40B4-BE49-F238E27FC236}">
+                <a16:creationId xmlns:a16="http://schemas.microsoft.com/office/drawing/2014/main" id="{299F1387-98AD-4D44-905E-E275172E4858}"/>
+              </a:ext>
+            </a:extLst>
+          </p:cNvPr>
+          <p:cNvSpPr/>
           <p:nvPr/>
-        </p:nvCxnSpPr>
+        </p:nvSpPr>
         <p:spPr>
-          <a:xfrm flipH="1" flipV="1">
-            <a:off x="1544955" y="2272030"/>
-            <a:ext cx="1156970" cy="1157605"/>
+          <a:xfrm>
+            <a:off x="6662928" y="3218688"/>
+            <a:ext cx="3017520" cy="280416"/>
           </a:xfrm>
-          <a:prstGeom prst="line">
+          <a:prstGeom prst="roundRect">
             <a:avLst/>
           </a:prstGeom>
-          <a:solidFill>
-            <a:schemeClr val="accent5"/>
-          </a:solidFill>
-          <a:ln w="47625">
-            <a:solidFill>
-              <a:schemeClr val="accent5"/>
-            </a:solidFill>
-          </a:ln>
         </p:spPr>
         <p:style>
-          <a:lnRef idx="1">
-            <a:schemeClr val="accent1"/>
+          <a:lnRef idx="2">
+            <a:schemeClr val="accent1">
+              <a:shade val="50000"/>
+            </a:schemeClr>
           </a:lnRef>
-          <a:fillRef idx="0">
+          <a:fillRef idx="1">
             <a:schemeClr val="accent1"/>
           </a:fillRef>
           <a:effectRef idx="0">
             <a:schemeClr val="accent1"/>
           </a:effectRef>
           <a:fontRef idx="minor">
-            <a:schemeClr val="tx1"/>
+            <a:schemeClr val="lt1"/>
           </a:fontRef>
         </p:style>
-      </p:cxnSp>
-      <p:cxnSp>
-        <p:nvCxnSpPr>
-          <p:cNvPr id="9" name="直接连接符 8"/>
-          <p:cNvCxnSpPr/>
+        <p:txBody>
+          <a:bodyPr rtlCol="0" anchor="ctr"/>
+          <a:lstStyle/>
+          <a:p>
+            <a:pPr algn="ctr"/>
+            <a:endParaRPr lang="zh-CN" altLang="en-US"/>
+          </a:p>
+        </p:txBody>
+      </p:sp>
+      <p:sp>
+        <p:nvSpPr>
+          <p:cNvPr id="35" name="矩形: 圆角 34">
+            <a:extLst>
+              <a:ext uri="{FF2B5EF4-FFF2-40B4-BE49-F238E27FC236}">
+                <a16:creationId xmlns:a16="http://schemas.microsoft.com/office/drawing/2014/main" id="{085C494B-CF8F-4BDF-B2FE-64683192B8F7}"/>
+              </a:ext>
+            </a:extLst>
+          </p:cNvPr>
+          <p:cNvSpPr/>
           <p:nvPr/>
-        </p:nvCxnSpPr>
+        </p:nvSpPr>
         <p:spPr>
-          <a:xfrm flipH="1" flipV="1">
-            <a:off x="3279140" y="2264410"/>
-            <a:ext cx="1156970" cy="1157605"/>
+          <a:xfrm>
+            <a:off x="3212592" y="3608324"/>
+            <a:ext cx="3163824" cy="280416"/>
           </a:xfrm>
-          <a:prstGeom prst="line">
+          <a:prstGeom prst="roundRect">
             <a:avLst/>
           </a:prstGeom>
-          <a:solidFill>
-            <a:schemeClr val="accent5"/>
-          </a:solidFill>
-          <a:ln w="47625">
-            <a:solidFill>
-              <a:schemeClr val="accent5"/>
-            </a:solidFill>
-          </a:ln>
         </p:spPr>
         <p:style>
-          <a:lnRef idx="1">
-            <a:schemeClr val="accent1"/>
+          <a:lnRef idx="2">
+            <a:schemeClr val="accent1">
+              <a:shade val="50000"/>
+            </a:schemeClr>
           </a:lnRef>
-          <a:fillRef idx="0">
+          <a:fillRef idx="1">
             <a:schemeClr val="accent1"/>
           </a:fillRef>
           <a:effectRef idx="0">
             <a:schemeClr val="accent1"/>
           </a:effectRef>
           <a:fontRef idx="minor">
-            <a:schemeClr val="tx1"/>
+            <a:schemeClr val="lt1"/>
           </a:fontRef>
         </p:style>
-      </p:cxnSp>
-      <p:cxnSp>
-        <p:nvCxnSpPr>
-          <p:cNvPr id="10" name="直接连接符 9"/>
-          <p:cNvCxnSpPr/>
+        <p:txBody>
+          <a:bodyPr rtlCol="0" anchor="ctr"/>
+          <a:lstStyle/>
+          <a:p>
+            <a:pPr algn="ctr"/>
+            <a:endParaRPr lang="zh-CN" altLang="en-US"/>
+          </a:p>
+        </p:txBody>
+      </p:sp>
+      <p:sp>
+        <p:nvSpPr>
+          <p:cNvPr id="36" name="矩形: 圆角 35">
+            <a:extLst>
+              <a:ext uri="{FF2B5EF4-FFF2-40B4-BE49-F238E27FC236}">
+                <a16:creationId xmlns:a16="http://schemas.microsoft.com/office/drawing/2014/main" id="{BE318CE2-C3F3-44D6-86E6-36B63423CD9E}"/>
+              </a:ext>
+            </a:extLst>
+          </p:cNvPr>
+          <p:cNvSpPr/>
           <p:nvPr/>
-        </p:nvCxnSpPr>
+        </p:nvSpPr>
         <p:spPr>
-          <a:xfrm flipH="1" flipV="1">
-            <a:off x="4987290" y="2278380"/>
-            <a:ext cx="1156970" cy="1157605"/>
+          <a:xfrm>
+            <a:off x="5199888" y="3974084"/>
+            <a:ext cx="3456432" cy="280416"/>
           </a:xfrm>
-          <a:prstGeom prst="line">
+          <a:prstGeom prst="roundRect">
             <a:avLst/>
           </a:prstGeom>
-          <a:solidFill>
-            <a:schemeClr val="accent5"/>
-          </a:solidFill>
-          <a:ln w="47625">
-            <a:solidFill>
-              <a:schemeClr val="accent5"/>
-            </a:solidFill>
-          </a:ln>
         </p:spPr>
         <p:style>
-          <a:lnRef idx="1">
-            <a:schemeClr val="accent1"/>
+          <a:lnRef idx="2">
+            <a:schemeClr val="accent1">
+              <a:shade val="50000"/>
+            </a:schemeClr>
           </a:lnRef>
-          <a:fillRef idx="0">
+          <a:fillRef idx="1">
             <a:schemeClr val="accent1"/>
           </a:fillRef>
           <a:effectRef idx="0">
             <a:schemeClr val="accent1"/>
           </a:effectRef>
           <a:fontRef idx="minor">
-            <a:schemeClr val="tx1"/>
+            <a:schemeClr val="lt1"/>
           </a:fontRef>
         </p:style>
-      </p:cxnSp>
-      <p:cxnSp>
-        <p:nvCxnSpPr>
-          <p:cNvPr id="11" name="直接连接符 10"/>
-          <p:cNvCxnSpPr/>
+        <p:txBody>
+          <a:bodyPr rtlCol="0" anchor="ctr"/>
+          <a:lstStyle/>
+          <a:p>
+            <a:pPr algn="ctr"/>
+            <a:endParaRPr lang="zh-CN" altLang="en-US"/>
+          </a:p>
+        </p:txBody>
+      </p:sp>
+      <p:sp>
+        <p:nvSpPr>
+          <p:cNvPr id="37" name="矩形: 圆角 36">
+            <a:extLst>
+              <a:ext uri="{FF2B5EF4-FFF2-40B4-BE49-F238E27FC236}">
+                <a16:creationId xmlns:a16="http://schemas.microsoft.com/office/drawing/2014/main" id="{05AC431D-F76F-4FD6-92C3-A2EB532C81C3}"/>
+              </a:ext>
+            </a:extLst>
+          </p:cNvPr>
+          <p:cNvSpPr/>
           <p:nvPr/>
-        </p:nvCxnSpPr>
+        </p:nvSpPr>
         <p:spPr>
-          <a:xfrm flipH="1" flipV="1">
-            <a:off x="6754495" y="2264410"/>
-            <a:ext cx="1156970" cy="1157605"/>
+          <a:xfrm>
+            <a:off x="8089392" y="4339844"/>
+            <a:ext cx="3547872" cy="280416"/>
           </a:xfrm>
-          <a:prstGeom prst="line">
+          <a:prstGeom prst="roundRect">
             <a:avLst/>
           </a:prstGeom>
-          <a:solidFill>
-            <a:schemeClr val="accent5"/>
-          </a:solidFill>
-          <a:ln w="47625">
-            <a:solidFill>
-              <a:schemeClr val="accent5"/>
-            </a:solidFill>
-          </a:ln>
         </p:spPr>
         <p:style>
-          <a:lnRef idx="1">
-            <a:schemeClr val="accent1"/>
+          <a:lnRef idx="2">
+            <a:schemeClr val="accent1">
+              <a:shade val="50000"/>
+            </a:schemeClr>
           </a:lnRef>
-          <a:fillRef idx="0">
+          <a:fillRef idx="1">
             <a:schemeClr val="accent1"/>
           </a:fillRef>
           <a:effectRef idx="0">
             <a:schemeClr val="accent1"/>
           </a:effectRef>
           <a:fontRef idx="minor">
-            <a:schemeClr val="tx1"/>
+            <a:schemeClr val="lt1"/>
           </a:fontRef>
         </p:style>
-      </p:cxnSp>
-      <p:cxnSp>
-        <p:nvCxnSpPr>
-          <p:cNvPr id="12" name="直接连接符 11"/>
-          <p:cNvCxnSpPr/>
+        <p:txBody>
+          <a:bodyPr rtlCol="0" anchor="ctr"/>
+          <a:lstStyle/>
+          <a:p>
+            <a:pPr algn="ctr"/>
+            <a:endParaRPr lang="zh-CN" altLang="en-US"/>
+          </a:p>
+        </p:txBody>
+      </p:sp>
+      <p:sp>
+        <p:nvSpPr>
+          <p:cNvPr id="38" name="矩形: 圆角 37">
+            <a:extLst>
+              <a:ext uri="{FF2B5EF4-FFF2-40B4-BE49-F238E27FC236}">
+                <a16:creationId xmlns:a16="http://schemas.microsoft.com/office/drawing/2014/main" id="{56CD41B4-298E-43ED-8A4F-2078EF330605}"/>
+              </a:ext>
+            </a:extLst>
+          </p:cNvPr>
+          <p:cNvSpPr/>
           <p:nvPr/>
-        </p:nvCxnSpPr>
+        </p:nvSpPr>
         <p:spPr>
-          <a:xfrm flipH="1" flipV="1">
-            <a:off x="8515985" y="2264410"/>
-            <a:ext cx="1156970" cy="1157605"/>
+          <a:xfrm>
+            <a:off x="4050792" y="4711446"/>
+            <a:ext cx="2740152" cy="280416"/>
           </a:xfrm>
-          <a:prstGeom prst="line">
+          <a:prstGeom prst="roundRect">
             <a:avLst/>
           </a:prstGeom>
-          <a:solidFill>
-            <a:schemeClr val="accent5"/>
-          </a:solidFill>
-          <a:ln w="47625">
-            <a:solidFill>
-              <a:schemeClr val="accent5"/>
-            </a:solidFill>
-          </a:ln>
         </p:spPr>
         <p:style>
-          <a:lnRef idx="1">
-            <a:schemeClr val="accent1"/>
+          <a:lnRef idx="2">
+            <a:schemeClr val="accent1">
+              <a:shade val="50000"/>
+            </a:schemeClr>
           </a:lnRef>
-          <a:fillRef idx="0">
+          <a:fillRef idx="1">
             <a:schemeClr val="accent1"/>
           </a:fillRef>
           <a:effectRef idx="0">
             <a:schemeClr val="accent1"/>
           </a:effectRef>
           <a:fontRef idx="minor">
-            <a:schemeClr val="tx1"/>
+            <a:schemeClr val="lt1"/>
           </a:fontRef>
         </p:style>
-      </p:cxnSp>
-      <p:cxnSp>
-        <p:nvCxnSpPr>
-          <p:cNvPr id="13" name="直接连接符 12"/>
-          <p:cNvCxnSpPr/>
+        <p:txBody>
+          <a:bodyPr rtlCol="0" anchor="ctr"/>
+          <a:lstStyle/>
+          <a:p>
+            <a:pPr algn="ctr"/>
+            <a:endParaRPr lang="zh-CN" altLang="en-US"/>
+          </a:p>
+        </p:txBody>
+      </p:sp>
+      <p:sp>
+        <p:nvSpPr>
+          <p:cNvPr id="39" name="矩形: 圆角 38">
+            <a:extLst>
+              <a:ext uri="{FF2B5EF4-FFF2-40B4-BE49-F238E27FC236}">
+                <a16:creationId xmlns:a16="http://schemas.microsoft.com/office/drawing/2014/main" id="{34670C9E-75CC-4173-95F6-DA26D8CA1814}"/>
+              </a:ext>
+            </a:extLst>
+          </p:cNvPr>
+          <p:cNvSpPr/>
           <p:nvPr/>
-        </p:nvCxnSpPr>
+        </p:nvSpPr>
         <p:spPr>
-          <a:xfrm flipV="1">
-            <a:off x="2226945" y="3422015"/>
-            <a:ext cx="1304925" cy="1305560"/>
+          <a:xfrm>
+            <a:off x="7562088" y="5082288"/>
+            <a:ext cx="2740152" cy="280416"/>
           </a:xfrm>
-          <a:prstGeom prst="line">
+          <a:prstGeom prst="roundRect">
             <a:avLst/>
           </a:prstGeom>
-          <a:solidFill>
-            <a:schemeClr val="accent5"/>
-          </a:solidFill>
-          <a:ln w="47625">
-            <a:solidFill>
-              <a:schemeClr val="accent5"/>
-            </a:solidFill>
-          </a:ln>
         </p:spPr>
         <p:style>
-          <a:lnRef idx="1">
-            <a:schemeClr val="accent1"/>
+          <a:lnRef idx="2">
+            <a:schemeClr val="accent1">
+              <a:shade val="50000"/>
+            </a:schemeClr>
           </a:lnRef>
-          <a:fillRef idx="0">
+          <a:fillRef idx="1">
             <a:schemeClr val="accent1"/>
           </a:fillRef>
           <a:effectRef idx="0">
             <a:schemeClr val="accent1"/>
           </a:effectRef>
           <a:fontRef idx="minor">
-            <a:schemeClr val="tx1"/>
+            <a:schemeClr val="lt1"/>
           </a:fontRef>
         </p:style>
-      </p:cxnSp>
-      <p:cxnSp>
-        <p:nvCxnSpPr>
-          <p:cNvPr id="14" name="直接连接符 13"/>
-          <p:cNvCxnSpPr/>
+        <p:txBody>
+          <a:bodyPr rtlCol="0" anchor="ctr"/>
+          <a:lstStyle/>
+          <a:p>
+            <a:pPr algn="ctr"/>
+            <a:endParaRPr lang="zh-CN" altLang="en-US"/>
+          </a:p>
+        </p:txBody>
+      </p:sp>
+      <p:sp>
+        <p:nvSpPr>
+          <p:cNvPr id="40" name="矩形: 圆角 39">
+            <a:extLst>
+              <a:ext uri="{FF2B5EF4-FFF2-40B4-BE49-F238E27FC236}">
+                <a16:creationId xmlns:a16="http://schemas.microsoft.com/office/drawing/2014/main" id="{4EB9A94B-3A7D-4A2C-B58C-4CA9DC50A1F7}"/>
+              </a:ext>
+            </a:extLst>
+          </p:cNvPr>
+          <p:cNvSpPr/>
           <p:nvPr/>
-        </p:nvCxnSpPr>
+        </p:nvSpPr>
         <p:spPr>
-          <a:xfrm flipV="1">
-            <a:off x="3954145" y="3422015"/>
-            <a:ext cx="1304925" cy="1305560"/>
+          <a:xfrm>
+            <a:off x="9052560" y="5447666"/>
+            <a:ext cx="2889504" cy="280416"/>
           </a:xfrm>
-          <a:prstGeom prst="line">
+          <a:prstGeom prst="roundRect">
             <a:avLst/>
           </a:prstGeom>
-          <a:solidFill>
-            <a:schemeClr val="accent5"/>
-          </a:solidFill>
-          <a:ln w="47625">
-            <a:solidFill>
-              <a:schemeClr val="accent5"/>
-            </a:solidFill>
-          </a:ln>
         </p:spPr>
         <p:style>
-          <a:lnRef idx="1">
-            <a:schemeClr val="accent1"/>
+          <a:lnRef idx="2">
+            <a:schemeClr val="accent1">
+              <a:shade val="50000"/>
+            </a:schemeClr>
           </a:lnRef>
-          <a:fillRef idx="0">
+          <a:fillRef idx="1">
             <a:schemeClr val="accent1"/>
           </a:fillRef>
           <a:effectRef idx="0">
             <a:schemeClr val="accent1"/>
           </a:effectRef>
           <a:fontRef idx="minor">
-            <a:schemeClr val="tx1"/>
+            <a:schemeClr val="lt1"/>
           </a:fontRef>
         </p:style>
-      </p:cxnSp>
-      <p:cxnSp>
-        <p:nvCxnSpPr>
-          <p:cNvPr id="15" name="直接连接符 14"/>
-          <p:cNvCxnSpPr/>
-          <p:nvPr/>
-        </p:nvCxnSpPr>
-        <p:spPr>
-          <a:xfrm flipV="1">
-            <a:off x="5688330" y="3435985"/>
-            <a:ext cx="1304925" cy="1305560"/>
-          </a:xfrm>
-          <a:prstGeom prst="line">
-            <a:avLst/>
-          </a:prstGeom>
-          <a:solidFill>
-            <a:schemeClr val="accent5"/>
-          </a:solidFill>
-          <a:ln w="47625">
-            <a:solidFill>
-              <a:schemeClr val="accent5"/>
-            </a:solidFill>
-          </a:ln>
-        </p:spPr>
-        <p:style>
-          <a:lnRef idx="1">
-            <a:schemeClr val="accent1"/>
-          </a:lnRef>
-          <a:fillRef idx="0">
-            <a:schemeClr val="accent1"/>
-          </a:fillRef>
-          <a:effectRef idx="0">
-            <a:schemeClr val="accent1"/>
-          </a:effectRef>
-          <a:fontRef idx="minor">
-            <a:schemeClr val="tx1"/>
-          </a:fontRef>
-        </p:style>
-      </p:cxnSp>
-      <p:cxnSp>
-        <p:nvCxnSpPr>
-          <p:cNvPr id="16" name="直接连接符 15"/>
-          <p:cNvCxnSpPr/>
-          <p:nvPr/>
-        </p:nvCxnSpPr>
-        <p:spPr>
-          <a:xfrm flipV="1">
-            <a:off x="7504430" y="3435985"/>
-            <a:ext cx="1304925" cy="1305560"/>
-          </a:xfrm>
-          <a:prstGeom prst="line">
-            <a:avLst/>
-          </a:prstGeom>
-          <a:solidFill>
-            <a:schemeClr val="accent5"/>
-          </a:solidFill>
-          <a:ln w="47625">
-            <a:solidFill>
-              <a:schemeClr val="accent5"/>
-            </a:solidFill>
-          </a:ln>
-        </p:spPr>
-        <p:style>
-          <a:lnRef idx="1">
-            <a:schemeClr val="accent1"/>
-          </a:lnRef>
-          <a:fillRef idx="0">
-            <a:schemeClr val="accent1"/>
-          </a:fillRef>
-          <a:effectRef idx="0">
-            <a:schemeClr val="accent1"/>
-          </a:effectRef>
-          <a:fontRef idx="minor">
-            <a:schemeClr val="tx1"/>
-          </a:fontRef>
-        </p:style>
-      </p:cxnSp>
-      <p:sp>
-        <p:nvSpPr>
-          <p:cNvPr id="17" name="文本框 16"/>
-          <p:cNvSpPr txBox="1"/>
-          <p:nvPr/>
-        </p:nvSpPr>
-        <p:spPr>
-          <a:xfrm>
-            <a:off x="887095" y="1584960"/>
-            <a:ext cx="1339850" cy="645160"/>
-          </a:xfrm>
-          <a:prstGeom prst="rect">
-            <a:avLst/>
-          </a:prstGeom>
-          <a:noFill/>
-        </p:spPr>
-        <p:txBody>
-          <a:bodyPr wrap="square" rtlCol="0">
-            <a:spAutoFit/>
-          </a:bodyPr>
-          <a:p>
-            <a:r>
-              <a:rPr lang="zh-CN" altLang="en-US"/>
-              <a:t>实现自动</a:t>
-            </a:r>
-            <a:r>
-              <a:rPr lang="en-US" altLang="zh-CN"/>
-              <a:t>GC</a:t>
-            </a:r>
-            <a:r>
-              <a:rPr lang="zh-CN" altLang="en-US"/>
-              <a:t>功能</a:t>
-            </a:r>
-            <a:endParaRPr lang="zh-CN" altLang="en-US"/>
-          </a:p>
-        </p:txBody>
-      </p:sp>
-      <p:sp>
-        <p:nvSpPr>
-          <p:cNvPr id="18" name="文本框 17"/>
-          <p:cNvSpPr txBox="1"/>
-          <p:nvPr/>
-        </p:nvSpPr>
-        <p:spPr>
-          <a:xfrm>
-            <a:off x="1334135" y="4741545"/>
-            <a:ext cx="1713230" cy="645160"/>
-          </a:xfrm>
-          <a:prstGeom prst="rect">
-            <a:avLst/>
-          </a:prstGeom>
-          <a:noFill/>
-        </p:spPr>
-        <p:txBody>
-          <a:bodyPr wrap="square" rtlCol="0">
-            <a:spAutoFit/>
-          </a:bodyPr>
-          <a:p>
-            <a:r>
-              <a:rPr lang="zh-CN" altLang="en-US"/>
-              <a:t>基本完成核心运行时库</a:t>
-            </a:r>
-            <a:endParaRPr lang="zh-CN" altLang="en-US"/>
-          </a:p>
-        </p:txBody>
-      </p:sp>
-      <p:sp>
-        <p:nvSpPr>
-          <p:cNvPr id="19" name="文本框 18"/>
-          <p:cNvSpPr txBox="1"/>
-          <p:nvPr/>
-        </p:nvSpPr>
-        <p:spPr>
-          <a:xfrm>
-            <a:off x="2701925" y="1584960"/>
-            <a:ext cx="1656715" cy="645160"/>
-          </a:xfrm>
-          <a:prstGeom prst="rect">
-            <a:avLst/>
-          </a:prstGeom>
-          <a:noFill/>
-        </p:spPr>
-        <p:txBody>
-          <a:bodyPr wrap="square" rtlCol="0">
-            <a:spAutoFit/>
-          </a:bodyPr>
-          <a:p>
-            <a:r>
-              <a:rPr lang="zh-CN" altLang="en-US"/>
-              <a:t>完善编译运行时系统</a:t>
-            </a:r>
-            <a:endParaRPr lang="zh-CN" altLang="en-US"/>
-          </a:p>
-        </p:txBody>
-      </p:sp>
-      <p:sp>
-        <p:nvSpPr>
-          <p:cNvPr id="20" name="文本框 19"/>
-          <p:cNvSpPr txBox="1"/>
-          <p:nvPr/>
-        </p:nvSpPr>
-        <p:spPr>
-          <a:xfrm>
-            <a:off x="3279140" y="4741545"/>
-            <a:ext cx="1593215" cy="645160"/>
-          </a:xfrm>
-          <a:prstGeom prst="rect">
-            <a:avLst/>
-          </a:prstGeom>
-          <a:noFill/>
-        </p:spPr>
-        <p:txBody>
-          <a:bodyPr wrap="square" rtlCol="0">
-            <a:spAutoFit/>
-          </a:bodyPr>
-          <a:p>
-            <a:r>
-              <a:rPr lang="zh-CN" altLang="en-US"/>
-              <a:t>专用集成开发环境</a:t>
-            </a:r>
-            <a:endParaRPr lang="zh-CN" altLang="en-US"/>
-          </a:p>
-        </p:txBody>
-      </p:sp>
-      <p:sp>
-        <p:nvSpPr>
-          <p:cNvPr id="21" name="文本框 20"/>
-          <p:cNvSpPr txBox="1"/>
-          <p:nvPr/>
-        </p:nvSpPr>
-        <p:spPr>
-          <a:xfrm>
-            <a:off x="4485005" y="1584960"/>
-            <a:ext cx="1368425" cy="645160"/>
-          </a:xfrm>
-          <a:prstGeom prst="rect">
-            <a:avLst/>
-          </a:prstGeom>
-          <a:noFill/>
-        </p:spPr>
-        <p:txBody>
-          <a:bodyPr wrap="square" rtlCol="0">
-            <a:spAutoFit/>
-          </a:bodyPr>
-          <a:p>
-            <a:r>
-              <a:rPr lang="zh-CN" altLang="en-US"/>
-              <a:t>可视化界面设计工具</a:t>
-            </a:r>
-            <a:endParaRPr lang="zh-CN" altLang="en-US"/>
-          </a:p>
-        </p:txBody>
-      </p:sp>
-      <p:sp>
-        <p:nvSpPr>
-          <p:cNvPr id="22" name="文本框 21"/>
-          <p:cNvSpPr txBox="1"/>
-          <p:nvPr/>
-        </p:nvSpPr>
-        <p:spPr>
-          <a:xfrm>
-            <a:off x="5259070" y="4741545"/>
-            <a:ext cx="1469390" cy="368300"/>
-          </a:xfrm>
-          <a:prstGeom prst="rect">
-            <a:avLst/>
-          </a:prstGeom>
-          <a:noFill/>
-        </p:spPr>
-        <p:txBody>
-          <a:bodyPr wrap="square" rtlCol="0">
-            <a:spAutoFit/>
-          </a:bodyPr>
-          <a:p>
-            <a:r>
-              <a:rPr lang="zh-CN" altLang="en-US"/>
-              <a:t>声明式开发</a:t>
-            </a:r>
-            <a:endParaRPr lang="zh-CN" altLang="en-US"/>
-          </a:p>
-        </p:txBody>
-      </p:sp>
-      <p:sp>
-        <p:nvSpPr>
-          <p:cNvPr id="23" name="文本框 22"/>
-          <p:cNvSpPr txBox="1"/>
-          <p:nvPr/>
-        </p:nvSpPr>
-        <p:spPr>
-          <a:xfrm>
-            <a:off x="6253480" y="1584960"/>
-            <a:ext cx="1390650" cy="645160"/>
-          </a:xfrm>
-          <a:prstGeom prst="rect">
-            <a:avLst/>
-          </a:prstGeom>
-          <a:noFill/>
-        </p:spPr>
-        <p:txBody>
-          <a:bodyPr wrap="square" rtlCol="0">
-            <a:spAutoFit/>
-          </a:bodyPr>
-          <a:p>
-            <a:r>
-              <a:rPr lang="zh-CN" altLang="en-US"/>
-              <a:t>兼容其他语言的</a:t>
-            </a:r>
-            <a:r>
-              <a:rPr lang="en-US" altLang="zh-CN"/>
-              <a:t>C</a:t>
-            </a:r>
-            <a:r>
-              <a:rPr lang="zh-CN" altLang="en-US"/>
-              <a:t>接口</a:t>
-            </a:r>
-            <a:endParaRPr lang="zh-CN" altLang="en-US"/>
-          </a:p>
-        </p:txBody>
-      </p:sp>
-      <p:sp>
-        <p:nvSpPr>
-          <p:cNvPr id="24" name="文本框 23"/>
-          <p:cNvSpPr txBox="1"/>
-          <p:nvPr/>
-        </p:nvSpPr>
-        <p:spPr>
-          <a:xfrm>
-            <a:off x="6993255" y="4741545"/>
-            <a:ext cx="1336040" cy="645160"/>
-          </a:xfrm>
-          <a:prstGeom prst="rect">
-            <a:avLst/>
-          </a:prstGeom>
-          <a:noFill/>
-        </p:spPr>
-        <p:txBody>
-          <a:bodyPr wrap="square" rtlCol="0">
-            <a:spAutoFit/>
-          </a:bodyPr>
-          <a:p>
-            <a:r>
-              <a:rPr lang="zh-CN" altLang="en-US"/>
-              <a:t>先基于对象再面向对象</a:t>
-            </a:r>
-            <a:endParaRPr lang="zh-CN" altLang="en-US"/>
-          </a:p>
-        </p:txBody>
-      </p:sp>
-      <p:sp>
-        <p:nvSpPr>
-          <p:cNvPr id="25" name="文本框 24"/>
-          <p:cNvSpPr txBox="1"/>
-          <p:nvPr/>
-        </p:nvSpPr>
-        <p:spPr>
-          <a:xfrm>
-            <a:off x="7911465" y="1584960"/>
-            <a:ext cx="2021840" cy="645160"/>
-          </a:xfrm>
-          <a:prstGeom prst="rect">
-            <a:avLst/>
-          </a:prstGeom>
-          <a:noFill/>
-        </p:spPr>
-        <p:txBody>
-          <a:bodyPr wrap="square" rtlCol="0">
-            <a:spAutoFit/>
-          </a:bodyPr>
-          <a:p>
-            <a:r>
-              <a:rPr lang="zh-CN" altLang="en-US"/>
-              <a:t>增强网页、</a:t>
-            </a:r>
-            <a:r>
-              <a:rPr lang="en-US" altLang="zh-CN"/>
-              <a:t>COM</a:t>
-            </a:r>
-            <a:r>
-              <a:rPr lang="zh-CN" altLang="en-US"/>
-              <a:t>等互操作性</a:t>
-            </a:r>
-            <a:endParaRPr lang="zh-CN" altLang="en-US"/>
-          </a:p>
-        </p:txBody>
-      </p:sp>
-      <p:cxnSp>
-        <p:nvCxnSpPr>
-          <p:cNvPr id="26" name="直接连接符 25"/>
-          <p:cNvCxnSpPr/>
-          <p:nvPr/>
-        </p:nvCxnSpPr>
-        <p:spPr>
-          <a:xfrm flipV="1">
-            <a:off x="9226550" y="3435985"/>
-            <a:ext cx="1304925" cy="1305560"/>
-          </a:xfrm>
-          <a:prstGeom prst="line">
-            <a:avLst/>
-          </a:prstGeom>
-          <a:solidFill>
-            <a:schemeClr val="accent5"/>
-          </a:solidFill>
-          <a:ln w="47625">
-            <a:solidFill>
-              <a:schemeClr val="accent5"/>
-            </a:solidFill>
-          </a:ln>
-        </p:spPr>
-        <p:style>
-          <a:lnRef idx="1">
-            <a:schemeClr val="accent1"/>
-          </a:lnRef>
-          <a:fillRef idx="0">
-            <a:schemeClr val="accent1"/>
-          </a:fillRef>
-          <a:effectRef idx="0">
-            <a:schemeClr val="accent1"/>
-          </a:effectRef>
-          <a:fontRef idx="minor">
-            <a:schemeClr val="tx1"/>
-          </a:fontRef>
-        </p:style>
-      </p:cxnSp>
-      <p:sp>
-        <p:nvSpPr>
-          <p:cNvPr id="27" name="文本框 26"/>
-          <p:cNvSpPr txBox="1"/>
-          <p:nvPr/>
-        </p:nvSpPr>
-        <p:spPr>
-          <a:xfrm>
-            <a:off x="8597265" y="4741545"/>
-            <a:ext cx="1474470" cy="645160"/>
-          </a:xfrm>
-          <a:prstGeom prst="rect">
-            <a:avLst/>
-          </a:prstGeom>
-          <a:noFill/>
-        </p:spPr>
-        <p:txBody>
-          <a:bodyPr wrap="square" rtlCol="0">
-            <a:spAutoFit/>
-          </a:bodyPr>
-          <a:p>
-            <a:r>
-              <a:rPr lang="zh-CN" altLang="en-US"/>
-              <a:t>原生支持多端开发</a:t>
-            </a:r>
+        <p:txBody>
+          <a:bodyPr rtlCol="0" anchor="ctr"/>
+          <a:lstStyle/>
+          <a:p>
+            <a:pPr algn="ctr"/>
             <a:endParaRPr lang="zh-CN" altLang="en-US"/>
           </a:p>
         </p:txBody>
@@ -4861,7 +5260,14 @@
         <p:cNvGrpSpPr/>
         <p:nvPr/>
       </p:nvGrpSpPr>
-      <p:grpSpPr/>
+      <p:grpSpPr>
+        <a:xfrm>
+          <a:off x="0" y="0"/>
+          <a:ext cx="0" cy="0"/>
+          <a:chOff x="0" y="0"/>
+          <a:chExt cx="0" cy="0"/>
+        </a:xfrm>
+      </p:grpSpPr>
       <p:sp>
         <p:nvSpPr>
           <p:cNvPr id="2" name="标题 1"/>
@@ -4875,12 +5281,12 @@
         <p:spPr/>
         <p:txBody>
           <a:bodyPr/>
+          <a:lstStyle/>
           <a:p>
             <a:r>
               <a:rPr lang="zh-CN" altLang="en-US"/>
               <a:t>系统概述</a:t>
             </a:r>
-            <a:endParaRPr lang="zh-CN" altLang="en-US"/>
           </a:p>
         </p:txBody>
       </p:sp>
@@ -4923,13 +5329,13 @@
         </p:style>
         <p:txBody>
           <a:bodyPr rtlCol="0" anchor="ctr"/>
+          <a:lstStyle/>
           <a:p>
             <a:pPr algn="ctr"/>
             <a:r>
               <a:rPr lang="zh-CN" altLang="en-US"/>
               <a:t>源代码</a:t>
             </a:r>
-            <a:endParaRPr lang="zh-CN" altLang="en-US"/>
           </a:p>
         </p:txBody>
       </p:sp>
@@ -4972,6 +5378,7 @@
         </p:style>
         <p:txBody>
           <a:bodyPr rtlCol="0" anchor="ctr"/>
+          <a:lstStyle/>
           <a:p>
             <a:pPr algn="ctr"/>
             <a:r>
@@ -4982,7 +5389,6 @@
               <a:rPr lang="zh-CN" altLang="en-US"/>
               <a:t>分析器</a:t>
             </a:r>
-            <a:endParaRPr lang="zh-CN" altLang="en-US"/>
           </a:p>
         </p:txBody>
       </p:sp>
@@ -5025,13 +5431,13 @@
         </p:style>
         <p:txBody>
           <a:bodyPr rtlCol="0" anchor="ctr"/>
+          <a:lstStyle/>
           <a:p>
             <a:pPr algn="ctr"/>
             <a:r>
               <a:rPr lang="zh-CN" altLang="en-US"/>
               <a:t>运行时</a:t>
             </a:r>
-            <a:endParaRPr lang="zh-CN" altLang="en-US"/>
           </a:p>
         </p:txBody>
       </p:sp>
@@ -5074,6 +5480,7 @@
         </p:style>
         <p:txBody>
           <a:bodyPr rtlCol="0" anchor="ctr"/>
+          <a:lstStyle/>
           <a:p>
             <a:pPr algn="ctr"/>
             <a:r>
@@ -5084,7 +5491,6 @@
               <a:rPr lang="zh-CN" altLang="en-US"/>
               <a:t>生成器</a:t>
             </a:r>
-            <a:endParaRPr lang="zh-CN" altLang="en-US"/>
           </a:p>
         </p:txBody>
       </p:sp>
@@ -5127,6 +5533,7 @@
         </p:style>
         <p:txBody>
           <a:bodyPr rtlCol="0" anchor="ctr"/>
+          <a:lstStyle/>
           <a:p>
             <a:pPr algn="ctr"/>
             <a:r>
@@ -5176,13 +5583,13 @@
         </p:style>
         <p:txBody>
           <a:bodyPr rtlCol="0" anchor="ctr"/>
+          <a:lstStyle/>
           <a:p>
             <a:pPr algn="ctr"/>
             <a:r>
               <a:rPr lang="zh-CN" altLang="en-US"/>
               <a:t>程序数据库</a:t>
             </a:r>
-            <a:endParaRPr lang="zh-CN" altLang="en-US"/>
           </a:p>
         </p:txBody>
       </p:sp>
@@ -5225,13 +5632,13 @@
         </p:style>
         <p:txBody>
           <a:bodyPr rtlCol="0" anchor="ctr"/>
+          <a:lstStyle/>
           <a:p>
             <a:pPr algn="ctr"/>
             <a:r>
               <a:rPr lang="zh-CN" altLang="en-US"/>
               <a:t>项目数据库</a:t>
             </a:r>
-            <a:endParaRPr lang="zh-CN" altLang="en-US"/>
           </a:p>
         </p:txBody>
       </p:sp>
@@ -5274,13 +5681,13 @@
         </p:style>
         <p:txBody>
           <a:bodyPr rtlCol="0" anchor="ctr"/>
+          <a:lstStyle/>
           <a:p>
             <a:pPr algn="ctr"/>
             <a:r>
               <a:rPr lang="en-US" altLang="zh-CN"/>
               <a:t>AST</a:t>
             </a:r>
-            <a:endParaRPr lang="en-US" altLang="zh-CN"/>
           </a:p>
         </p:txBody>
       </p:sp>
@@ -5323,13 +5730,13 @@
         </p:style>
         <p:txBody>
           <a:bodyPr rtlCol="0" anchor="ctr"/>
+          <a:lstStyle/>
           <a:p>
             <a:pPr algn="ctr"/>
             <a:r>
               <a:rPr lang="en-US" altLang="zh-CN"/>
               <a:t>IR</a:t>
             </a:r>
-            <a:endParaRPr lang="en-US" altLang="zh-CN"/>
           </a:p>
         </p:txBody>
       </p:sp>
@@ -5372,13 +5779,13 @@
         </p:style>
         <p:txBody>
           <a:bodyPr rtlCol="0" anchor="ctr"/>
+          <a:lstStyle/>
           <a:p>
             <a:pPr algn="ctr"/>
             <a:r>
               <a:rPr lang="zh-CN" altLang="en-US"/>
               <a:t>函数库</a:t>
             </a:r>
-            <a:endParaRPr lang="zh-CN" altLang="en-US"/>
           </a:p>
         </p:txBody>
       </p:sp>
@@ -5421,13 +5828,13 @@
         </p:style>
         <p:txBody>
           <a:bodyPr rtlCol="0" anchor="ctr"/>
+          <a:lstStyle/>
           <a:p>
             <a:pPr algn="ctr"/>
             <a:r>
               <a:rPr lang="zh-CN" altLang="en-US"/>
               <a:t>可执行文件</a:t>
             </a:r>
-            <a:endParaRPr lang="zh-CN" altLang="en-US"/>
           </a:p>
         </p:txBody>
       </p:sp>
@@ -5464,6 +5871,7 @@
         </p:style>
         <p:txBody>
           <a:bodyPr rtlCol="0" anchor="ctr"/>
+          <a:lstStyle/>
           <a:p>
             <a:pPr algn="ctr"/>
             <a:endParaRPr lang="zh-CN" altLang="en-US"/>
@@ -5503,6 +5911,7 @@
         </p:style>
         <p:txBody>
           <a:bodyPr rtlCol="0" anchor="ctr"/>
+          <a:lstStyle/>
           <a:p>
             <a:pPr algn="ctr"/>
             <a:endParaRPr lang="zh-CN" altLang="en-US"/>
@@ -5542,6 +5951,7 @@
         </p:style>
         <p:txBody>
           <a:bodyPr rtlCol="0" anchor="ctr"/>
+          <a:lstStyle/>
           <a:p>
             <a:pPr algn="ctr"/>
             <a:endParaRPr lang="zh-CN" altLang="en-US"/>
@@ -5581,6 +5991,7 @@
         </p:style>
         <p:txBody>
           <a:bodyPr rtlCol="0" anchor="ctr"/>
+          <a:lstStyle/>
           <a:p>
             <a:pPr algn="ctr"/>
             <a:endParaRPr lang="zh-CN" altLang="en-US"/>
@@ -5620,6 +6031,7 @@
         </p:style>
         <p:txBody>
           <a:bodyPr rtlCol="0" anchor="ctr"/>
+          <a:lstStyle/>
           <a:p>
             <a:pPr algn="ctr"/>
             <a:endParaRPr lang="zh-CN" altLang="en-US"/>
@@ -5659,6 +6071,7 @@
         </p:style>
         <p:txBody>
           <a:bodyPr rtlCol="0" anchor="ctr"/>
+          <a:lstStyle/>
           <a:p>
             <a:pPr algn="ctr"/>
             <a:endParaRPr lang="zh-CN" altLang="en-US"/>
@@ -5698,6 +6111,7 @@
         </p:style>
         <p:txBody>
           <a:bodyPr rtlCol="0" anchor="ctr"/>
+          <a:lstStyle/>
           <a:p>
             <a:pPr algn="ctr"/>
             <a:endParaRPr lang="zh-CN" altLang="en-US"/>
@@ -5737,6 +6151,7 @@
         </p:style>
         <p:txBody>
           <a:bodyPr rtlCol="0" anchor="ctr"/>
+          <a:lstStyle/>
           <a:p>
             <a:pPr algn="ctr"/>
             <a:endParaRPr lang="zh-CN" altLang="en-US"/>
@@ -5776,6 +6191,7 @@
         </p:style>
         <p:txBody>
           <a:bodyPr rtlCol="0" anchor="ctr"/>
+          <a:lstStyle/>
           <a:p>
             <a:pPr algn="ctr"/>
             <a:endParaRPr lang="zh-CN" altLang="en-US"/>
@@ -5815,6 +6231,7 @@
         </p:style>
         <p:txBody>
           <a:bodyPr rtlCol="0" anchor="ctr"/>
+          <a:lstStyle/>
           <a:p>
             <a:pPr algn="ctr"/>
             <a:endParaRPr lang="zh-CN" altLang="en-US"/>
@@ -5854,6 +6271,7 @@
         </p:style>
         <p:txBody>
           <a:bodyPr rtlCol="0" anchor="ctr"/>
+          <a:lstStyle/>
           <a:p>
             <a:pPr algn="ctr"/>
             <a:endParaRPr lang="zh-CN" altLang="en-US"/>
@@ -5893,6 +6311,7 @@
         </p:style>
         <p:txBody>
           <a:bodyPr rtlCol="0" anchor="ctr"/>
+          <a:lstStyle/>
           <a:p>
             <a:pPr algn="ctr"/>
             <a:endParaRPr lang="zh-CN" altLang="en-US"/>
@@ -6158,6 +6577,8 @@
       </a:bgFillStyleLst>
     </a:fmtScheme>
   </a:themeElements>
+  <a:objectDefaults/>
+  <a:extraClrSchemeLst/>
   <a:extLst>
     <a:ext uri="{05A4C25C-085E-4340-85A3-A5531E510DB2}">
       <thm15:themeFamily xmlns:thm15="http://schemas.microsoft.com/office/thememl/2012/main" name="Office Theme" id="{62F939B6-93AF-4DB8-9C6B-D6C7DFDC589F}" vid="{4A3C46E8-61CC-4603-A589-7422A47A8E4A}"/>
@@ -6417,6 +6838,8 @@
       </a:bgFillStyleLst>
     </a:fmtScheme>
   </a:themeElements>
+  <a:objectDefaults/>
+  <a:extraClrSchemeLst/>
   <a:extLst>
     <a:ext uri="{05A4C25C-085E-4340-85A3-A5531E510DB2}">
       <thm15:themeFamily xmlns:thm15="http://schemas.microsoft.com/office/thememl/2012/main" name="Office Theme" id="{62F939B6-93AF-4DB8-9C6B-D6C7DFDC589F}" vid="{4A3C46E8-61CC-4603-A589-7422A47A8E4A}"/>
@@ -6676,6 +7099,8 @@
       </a:bgFillStyleLst>
     </a:fmtScheme>
   </a:themeElements>
+  <a:objectDefaults/>
+  <a:extraClrSchemeLst/>
   <a:extLst>
     <a:ext uri="{05A4C25C-085E-4340-85A3-A5531E510DB2}">
       <thm15:themeFamily xmlns:thm15="http://schemas.microsoft.com/office/thememl/2012/main" name="Office Theme" id="{62F939B6-93AF-4DB8-9C6B-D6C7DFDC589F}" vid="{4A3C46E8-61CC-4603-A589-7422A47A8E4A}"/>
